--- a/Documents/state_diagram.pptx
+++ b/Documents/state_diagram.pptx
@@ -306,7 +306,7 @@
           <a:p>
             <a:fld id="{F90355FF-FE33-42EC-9212-B2AF526B5BE9}" type="datetimeFigureOut">
               <a:rPr lang="zh-HK" altLang="en-US" smtClean="0"/>
-              <a:t>18/11/2024</a:t>
+              <a:t>19/11/2024</a:t>
             </a:fld>
             <a:endParaRPr lang="zh-HK" altLang="en-US"/>
           </a:p>
@@ -476,7 +476,7 @@
           <a:p>
             <a:fld id="{F90355FF-FE33-42EC-9212-B2AF526B5BE9}" type="datetimeFigureOut">
               <a:rPr lang="zh-HK" altLang="en-US" smtClean="0"/>
-              <a:t>18/11/2024</a:t>
+              <a:t>19/11/2024</a:t>
             </a:fld>
             <a:endParaRPr lang="zh-HK" altLang="en-US"/>
           </a:p>
@@ -656,7 +656,7 @@
           <a:p>
             <a:fld id="{F90355FF-FE33-42EC-9212-B2AF526B5BE9}" type="datetimeFigureOut">
               <a:rPr lang="zh-HK" altLang="en-US" smtClean="0"/>
-              <a:t>18/11/2024</a:t>
+              <a:t>19/11/2024</a:t>
             </a:fld>
             <a:endParaRPr lang="zh-HK" altLang="en-US"/>
           </a:p>
@@ -826,7 +826,7 @@
           <a:p>
             <a:fld id="{F90355FF-FE33-42EC-9212-B2AF526B5BE9}" type="datetimeFigureOut">
               <a:rPr lang="zh-HK" altLang="en-US" smtClean="0"/>
-              <a:t>18/11/2024</a:t>
+              <a:t>19/11/2024</a:t>
             </a:fld>
             <a:endParaRPr lang="zh-HK" altLang="en-US"/>
           </a:p>
@@ -1072,7 +1072,7 @@
           <a:p>
             <a:fld id="{F90355FF-FE33-42EC-9212-B2AF526B5BE9}" type="datetimeFigureOut">
               <a:rPr lang="zh-HK" altLang="en-US" smtClean="0"/>
-              <a:t>18/11/2024</a:t>
+              <a:t>19/11/2024</a:t>
             </a:fld>
             <a:endParaRPr lang="zh-HK" altLang="en-US"/>
           </a:p>
@@ -1360,7 +1360,7 @@
           <a:p>
             <a:fld id="{F90355FF-FE33-42EC-9212-B2AF526B5BE9}" type="datetimeFigureOut">
               <a:rPr lang="zh-HK" altLang="en-US" smtClean="0"/>
-              <a:t>18/11/2024</a:t>
+              <a:t>19/11/2024</a:t>
             </a:fld>
             <a:endParaRPr lang="zh-HK" altLang="en-US"/>
           </a:p>
@@ -1782,7 +1782,7 @@
           <a:p>
             <a:fld id="{F90355FF-FE33-42EC-9212-B2AF526B5BE9}" type="datetimeFigureOut">
               <a:rPr lang="zh-HK" altLang="en-US" smtClean="0"/>
-              <a:t>18/11/2024</a:t>
+              <a:t>19/11/2024</a:t>
             </a:fld>
             <a:endParaRPr lang="zh-HK" altLang="en-US"/>
           </a:p>
@@ -1900,7 +1900,7 @@
           <a:p>
             <a:fld id="{F90355FF-FE33-42EC-9212-B2AF526B5BE9}" type="datetimeFigureOut">
               <a:rPr lang="zh-HK" altLang="en-US" smtClean="0"/>
-              <a:t>18/11/2024</a:t>
+              <a:t>19/11/2024</a:t>
             </a:fld>
             <a:endParaRPr lang="zh-HK" altLang="en-US"/>
           </a:p>
@@ -1995,7 +1995,7 @@
           <a:p>
             <a:fld id="{F90355FF-FE33-42EC-9212-B2AF526B5BE9}" type="datetimeFigureOut">
               <a:rPr lang="zh-HK" altLang="en-US" smtClean="0"/>
-              <a:t>18/11/2024</a:t>
+              <a:t>19/11/2024</a:t>
             </a:fld>
             <a:endParaRPr lang="zh-HK" altLang="en-US"/>
           </a:p>
@@ -2272,7 +2272,7 @@
           <a:p>
             <a:fld id="{F90355FF-FE33-42EC-9212-B2AF526B5BE9}" type="datetimeFigureOut">
               <a:rPr lang="zh-HK" altLang="en-US" smtClean="0"/>
-              <a:t>18/11/2024</a:t>
+              <a:t>19/11/2024</a:t>
             </a:fld>
             <a:endParaRPr lang="zh-HK" altLang="en-US"/>
           </a:p>
@@ -2525,7 +2525,7 @@
           <a:p>
             <a:fld id="{F90355FF-FE33-42EC-9212-B2AF526B5BE9}" type="datetimeFigureOut">
               <a:rPr lang="zh-HK" altLang="en-US" smtClean="0"/>
-              <a:t>18/11/2024</a:t>
+              <a:t>19/11/2024</a:t>
             </a:fld>
             <a:endParaRPr lang="zh-HK" altLang="en-US"/>
           </a:p>
@@ -2738,7 +2738,7 @@
           <a:p>
             <a:fld id="{F90355FF-FE33-42EC-9212-B2AF526B5BE9}" type="datetimeFigureOut">
               <a:rPr lang="zh-HK" altLang="en-US" smtClean="0"/>
-              <a:t>18/11/2024</a:t>
+              <a:t>19/11/2024</a:t>
             </a:fld>
             <a:endParaRPr lang="zh-HK" altLang="en-US"/>
           </a:p>
@@ -4598,7 +4598,7 @@
           <p:nvPr>
             <p:extLst>
               <p:ext uri="{D42A27DB-BD31-4B8C-83A1-F6EECF244321}">
-                <p14:modId xmlns:p14="http://schemas.microsoft.com/office/powerpoint/2010/main" val="918325782"/>
+                <p14:modId xmlns:p14="http://schemas.microsoft.com/office/powerpoint/2010/main" val="1622240178"/>
               </p:ext>
             </p:extLst>
           </p:nvPr>
@@ -4785,11 +4785,7 @@
                       </a:pPr>
                       <a:r>
                         <a:rPr lang="en-US" altLang="zh-HK" dirty="0" smtClean="0"/>
-                        <a:t>Use login ID to create sub-folder under </a:t>
-                      </a:r>
-                      <a:r>
-                        <a:rPr lang="en-US" altLang="zh-HK" dirty="0" smtClean="0"/>
-                        <a:t>\data\</a:t>
+                        <a:t>Use login ID to create sub-folder under \data\</a:t>
                       </a:r>
                       <a:endParaRPr lang="zh-HK" altLang="en-US" dirty="0"/>
                     </a:p>
@@ -4920,13 +4916,8 @@
                       </a:pPr>
                       <a:r>
                         <a:rPr lang="en-US" altLang="zh-HK" dirty="0" smtClean="0"/>
-                        <a:t>List out all albums available in this site (i.e. all sub-folders under </a:t>
+                        <a:t>List out all albums available in this site (i.e. all sub-folders under \data\)</a:t>
                       </a:r>
-                      <a:r>
-                        <a:rPr lang="en-US" altLang="zh-HK" dirty="0" smtClean="0"/>
-                        <a:t>\data\)</a:t>
-                      </a:r>
-                      <a:endParaRPr lang="en-US" altLang="zh-HK" dirty="0" smtClean="0"/>
                     </a:p>
                     <a:p>
                       <a:pPr marL="285750" indent="-285750">
@@ -5012,7 +5003,19 @@
                       </a:r>
                       <a:r>
                         <a:rPr lang="en-US" altLang="zh-HK" baseline="0" dirty="0" smtClean="0"/>
-                        <a:t> files under \public\images\{selected user album})</a:t>
+                        <a:t> files </a:t>
+                      </a:r>
+                      <a:r>
+                        <a:rPr lang="en-US" altLang="zh-HK" baseline="0" smtClean="0"/>
+                        <a:t>under </a:t>
+                      </a:r>
+                      <a:r>
+                        <a:rPr lang="en-US" altLang="zh-HK" baseline="0" smtClean="0"/>
+                        <a:t>\data\{</a:t>
+                      </a:r>
+                      <a:r>
+                        <a:rPr lang="en-US" altLang="zh-HK" baseline="0" dirty="0" smtClean="0"/>
+                        <a:t>selected user album})</a:t>
                       </a:r>
                     </a:p>
                     <a:p>
@@ -5343,14 +5346,7 @@
                 <a:latin typeface="Courier New" panose="02070309020205020404" pitchFamily="49" charset="0"/>
                 <a:cs typeface="Courier New" panose="02070309020205020404" pitchFamily="49" charset="0"/>
               </a:rPr>
-              <a:t>    history: [&lt;array of membership/award</a:t>
-            </a:r>
-            <a:r>
-              <a:rPr lang="en-US" altLang="zh-HK" sz="1200" dirty="0" smtClean="0">
-                <a:latin typeface="Courier New" panose="02070309020205020404" pitchFamily="49" charset="0"/>
-                <a:cs typeface="Courier New" panose="02070309020205020404" pitchFamily="49" charset="0"/>
-              </a:rPr>
-              <a:t>&gt;]</a:t>
+              <a:t>    history: [&lt;array of membership/award&gt;]</a:t>
             </a:r>
           </a:p>
           <a:p>

--- a/Documents/state_diagram.pptx
+++ b/Documents/state_diagram.pptx
@@ -306,7 +306,7 @@
           <a:p>
             <a:fld id="{F90355FF-FE33-42EC-9212-B2AF526B5BE9}" type="datetimeFigureOut">
               <a:rPr lang="zh-HK" altLang="en-US" smtClean="0"/>
-              <a:t>19/11/2024</a:t>
+              <a:t>20/11/2024</a:t>
             </a:fld>
             <a:endParaRPr lang="zh-HK" altLang="en-US"/>
           </a:p>
@@ -476,7 +476,7 @@
           <a:p>
             <a:fld id="{F90355FF-FE33-42EC-9212-B2AF526B5BE9}" type="datetimeFigureOut">
               <a:rPr lang="zh-HK" altLang="en-US" smtClean="0"/>
-              <a:t>19/11/2024</a:t>
+              <a:t>20/11/2024</a:t>
             </a:fld>
             <a:endParaRPr lang="zh-HK" altLang="en-US"/>
           </a:p>
@@ -656,7 +656,7 @@
           <a:p>
             <a:fld id="{F90355FF-FE33-42EC-9212-B2AF526B5BE9}" type="datetimeFigureOut">
               <a:rPr lang="zh-HK" altLang="en-US" smtClean="0"/>
-              <a:t>19/11/2024</a:t>
+              <a:t>20/11/2024</a:t>
             </a:fld>
             <a:endParaRPr lang="zh-HK" altLang="en-US"/>
           </a:p>
@@ -826,7 +826,7 @@
           <a:p>
             <a:fld id="{F90355FF-FE33-42EC-9212-B2AF526B5BE9}" type="datetimeFigureOut">
               <a:rPr lang="zh-HK" altLang="en-US" smtClean="0"/>
-              <a:t>19/11/2024</a:t>
+              <a:t>20/11/2024</a:t>
             </a:fld>
             <a:endParaRPr lang="zh-HK" altLang="en-US"/>
           </a:p>
@@ -1072,7 +1072,7 @@
           <a:p>
             <a:fld id="{F90355FF-FE33-42EC-9212-B2AF526B5BE9}" type="datetimeFigureOut">
               <a:rPr lang="zh-HK" altLang="en-US" smtClean="0"/>
-              <a:t>19/11/2024</a:t>
+              <a:t>20/11/2024</a:t>
             </a:fld>
             <a:endParaRPr lang="zh-HK" altLang="en-US"/>
           </a:p>
@@ -1360,7 +1360,7 @@
           <a:p>
             <a:fld id="{F90355FF-FE33-42EC-9212-B2AF526B5BE9}" type="datetimeFigureOut">
               <a:rPr lang="zh-HK" altLang="en-US" smtClean="0"/>
-              <a:t>19/11/2024</a:t>
+              <a:t>20/11/2024</a:t>
             </a:fld>
             <a:endParaRPr lang="zh-HK" altLang="en-US"/>
           </a:p>
@@ -1782,7 +1782,7 @@
           <a:p>
             <a:fld id="{F90355FF-FE33-42EC-9212-B2AF526B5BE9}" type="datetimeFigureOut">
               <a:rPr lang="zh-HK" altLang="en-US" smtClean="0"/>
-              <a:t>19/11/2024</a:t>
+              <a:t>20/11/2024</a:t>
             </a:fld>
             <a:endParaRPr lang="zh-HK" altLang="en-US"/>
           </a:p>
@@ -1900,7 +1900,7 @@
           <a:p>
             <a:fld id="{F90355FF-FE33-42EC-9212-B2AF526B5BE9}" type="datetimeFigureOut">
               <a:rPr lang="zh-HK" altLang="en-US" smtClean="0"/>
-              <a:t>19/11/2024</a:t>
+              <a:t>20/11/2024</a:t>
             </a:fld>
             <a:endParaRPr lang="zh-HK" altLang="en-US"/>
           </a:p>
@@ -1995,7 +1995,7 @@
           <a:p>
             <a:fld id="{F90355FF-FE33-42EC-9212-B2AF526B5BE9}" type="datetimeFigureOut">
               <a:rPr lang="zh-HK" altLang="en-US" smtClean="0"/>
-              <a:t>19/11/2024</a:t>
+              <a:t>20/11/2024</a:t>
             </a:fld>
             <a:endParaRPr lang="zh-HK" altLang="en-US"/>
           </a:p>
@@ -2272,7 +2272,7 @@
           <a:p>
             <a:fld id="{F90355FF-FE33-42EC-9212-B2AF526B5BE9}" type="datetimeFigureOut">
               <a:rPr lang="zh-HK" altLang="en-US" smtClean="0"/>
-              <a:t>19/11/2024</a:t>
+              <a:t>20/11/2024</a:t>
             </a:fld>
             <a:endParaRPr lang="zh-HK" altLang="en-US"/>
           </a:p>
@@ -2525,7 +2525,7 @@
           <a:p>
             <a:fld id="{F90355FF-FE33-42EC-9212-B2AF526B5BE9}" type="datetimeFigureOut">
               <a:rPr lang="zh-HK" altLang="en-US" smtClean="0"/>
-              <a:t>19/11/2024</a:t>
+              <a:t>20/11/2024</a:t>
             </a:fld>
             <a:endParaRPr lang="zh-HK" altLang="en-US"/>
           </a:p>
@@ -2738,7 +2738,7 @@
           <a:p>
             <a:fld id="{F90355FF-FE33-42EC-9212-B2AF526B5BE9}" type="datetimeFigureOut">
               <a:rPr lang="zh-HK" altLang="en-US" smtClean="0"/>
-              <a:t>19/11/2024</a:t>
+              <a:t>20/11/2024</a:t>
             </a:fld>
             <a:endParaRPr lang="zh-HK" altLang="en-US"/>
           </a:p>
@@ -5007,11 +5007,7 @@
                       </a:r>
                       <a:r>
                         <a:rPr lang="en-US" altLang="zh-HK" baseline="0" smtClean="0"/>
-                        <a:t>under </a:t>
-                      </a:r>
-                      <a:r>
-                        <a:rPr lang="en-US" altLang="zh-HK" baseline="0" smtClean="0"/>
-                        <a:t>\data\{</a:t>
+                        <a:t>under \data\{</a:t>
                       </a:r>
                       <a:r>
                         <a:rPr lang="en-US" altLang="zh-HK" baseline="0" dirty="0" smtClean="0"/>
@@ -5209,7 +5205,7 @@
         </p:nvSpPr>
         <p:spPr>
           <a:xfrm>
-            <a:off x="251520" y="1033566"/>
+            <a:off x="251520" y="1412776"/>
             <a:ext cx="8640960" cy="5262979"/>
           </a:xfrm>
           <a:prstGeom prst="rect">
@@ -5346,21 +5342,35 @@
                 <a:latin typeface="Courier New" panose="02070309020205020404" pitchFamily="49" charset="0"/>
                 <a:cs typeface="Courier New" panose="02070309020205020404" pitchFamily="49" charset="0"/>
               </a:rPr>
-              <a:t>    history: [&lt;array of membership/award&gt;]</a:t>
-            </a:r>
-          </a:p>
-          <a:p>
-            <a:r>
-              <a:rPr lang="en-US" altLang="zh-HK" sz="1200" smtClean="0">
-                <a:latin typeface="Courier New" panose="02070309020205020404" pitchFamily="49" charset="0"/>
-                <a:cs typeface="Courier New" panose="02070309020205020404" pitchFamily="49" charset="0"/>
-              </a:rPr>
-              <a:t>}</a:t>
+              <a:t>    </a:t>
+            </a:r>
+            <a:r>
+              <a:rPr lang="en-US" altLang="zh-HK" sz="1200" dirty="0" err="1" smtClean="0">
+                <a:latin typeface="Courier New" panose="02070309020205020404" pitchFamily="49" charset="0"/>
+                <a:cs typeface="Courier New" panose="02070309020205020404" pitchFamily="49" charset="0"/>
+              </a:rPr>
+              <a:t>profile_photo</a:t>
+            </a:r>
+            <a:r>
+              <a:rPr lang="en-US" altLang="zh-HK" sz="1200" dirty="0" smtClean="0">
+                <a:latin typeface="Courier New" panose="02070309020205020404" pitchFamily="49" charset="0"/>
+                <a:cs typeface="Courier New" panose="02070309020205020404" pitchFamily="49" charset="0"/>
+              </a:rPr>
+              <a:t>: &lt;filename&gt;</a:t>
             </a:r>
             <a:endParaRPr lang="en-US" altLang="zh-HK" sz="1200" dirty="0" smtClean="0">
               <a:latin typeface="Courier New" panose="02070309020205020404" pitchFamily="49" charset="0"/>
               <a:cs typeface="Courier New" panose="02070309020205020404" pitchFamily="49" charset="0"/>
             </a:endParaRPr>
+          </a:p>
+          <a:p>
+            <a:r>
+              <a:rPr lang="en-US" altLang="zh-HK" sz="1200" dirty="0" smtClean="0">
+                <a:latin typeface="Courier New" panose="02070309020205020404" pitchFamily="49" charset="0"/>
+                <a:cs typeface="Courier New" panose="02070309020205020404" pitchFamily="49" charset="0"/>
+              </a:rPr>
+              <a:t>}</a:t>
+            </a:r>
           </a:p>
           <a:p>
             <a:endParaRPr lang="en-US" altLang="zh-HK" sz="1200" dirty="0">
@@ -5965,6 +5975,40 @@
               <a:t>Document Schema</a:t>
             </a:r>
             <a:endParaRPr lang="zh-HK" altLang="en-US" sz="2000" u="sng" dirty="0"/>
+          </a:p>
+        </p:txBody>
+      </p:sp>
+      <p:sp>
+        <p:nvSpPr>
+          <p:cNvPr id="4" name="文字方塊 3"/>
+          <p:cNvSpPr txBox="1"/>
+          <p:nvPr/>
+        </p:nvSpPr>
+        <p:spPr>
+          <a:xfrm>
+            <a:off x="251520" y="980728"/>
+            <a:ext cx="2502032" cy="338554"/>
+          </a:xfrm>
+          <a:prstGeom prst="rect">
+            <a:avLst/>
+          </a:prstGeom>
+          <a:noFill/>
+        </p:spPr>
+        <p:txBody>
+          <a:bodyPr wrap="none" rtlCol="0">
+            <a:spAutoFit/>
+          </a:bodyPr>
+          <a:lstStyle/>
+          <a:p>
+            <a:r>
+              <a:rPr lang="en-US" altLang="zh-HK" sz="1600" dirty="0" smtClean="0"/>
+              <a:t>Database: </a:t>
+            </a:r>
+            <a:r>
+              <a:rPr lang="en-US" altLang="zh-HK" sz="1600" dirty="0" err="1" smtClean="0"/>
+              <a:t>PhotoShareShare</a:t>
+            </a:r>
+            <a:endParaRPr lang="zh-HK" altLang="en-US" sz="1600" dirty="0"/>
           </a:p>
         </p:txBody>
       </p:sp>

--- a/Documents/state_diagram.pptx
+++ b/Documents/state_diagram.pptx
@@ -306,7 +306,7 @@
           <a:p>
             <a:fld id="{F90355FF-FE33-42EC-9212-B2AF526B5BE9}" type="datetimeFigureOut">
               <a:rPr lang="zh-HK" altLang="en-US" smtClean="0"/>
-              <a:t>20/11/2024</a:t>
+              <a:t>28/11/2024</a:t>
             </a:fld>
             <a:endParaRPr lang="zh-HK" altLang="en-US"/>
           </a:p>
@@ -476,7 +476,7 @@
           <a:p>
             <a:fld id="{F90355FF-FE33-42EC-9212-B2AF526B5BE9}" type="datetimeFigureOut">
               <a:rPr lang="zh-HK" altLang="en-US" smtClean="0"/>
-              <a:t>20/11/2024</a:t>
+              <a:t>28/11/2024</a:t>
             </a:fld>
             <a:endParaRPr lang="zh-HK" altLang="en-US"/>
           </a:p>
@@ -656,7 +656,7 @@
           <a:p>
             <a:fld id="{F90355FF-FE33-42EC-9212-B2AF526B5BE9}" type="datetimeFigureOut">
               <a:rPr lang="zh-HK" altLang="en-US" smtClean="0"/>
-              <a:t>20/11/2024</a:t>
+              <a:t>28/11/2024</a:t>
             </a:fld>
             <a:endParaRPr lang="zh-HK" altLang="en-US"/>
           </a:p>
@@ -826,7 +826,7 @@
           <a:p>
             <a:fld id="{F90355FF-FE33-42EC-9212-B2AF526B5BE9}" type="datetimeFigureOut">
               <a:rPr lang="zh-HK" altLang="en-US" smtClean="0"/>
-              <a:t>20/11/2024</a:t>
+              <a:t>28/11/2024</a:t>
             </a:fld>
             <a:endParaRPr lang="zh-HK" altLang="en-US"/>
           </a:p>
@@ -1072,7 +1072,7 @@
           <a:p>
             <a:fld id="{F90355FF-FE33-42EC-9212-B2AF526B5BE9}" type="datetimeFigureOut">
               <a:rPr lang="zh-HK" altLang="en-US" smtClean="0"/>
-              <a:t>20/11/2024</a:t>
+              <a:t>28/11/2024</a:t>
             </a:fld>
             <a:endParaRPr lang="zh-HK" altLang="en-US"/>
           </a:p>
@@ -1360,7 +1360,7 @@
           <a:p>
             <a:fld id="{F90355FF-FE33-42EC-9212-B2AF526B5BE9}" type="datetimeFigureOut">
               <a:rPr lang="zh-HK" altLang="en-US" smtClean="0"/>
-              <a:t>20/11/2024</a:t>
+              <a:t>28/11/2024</a:t>
             </a:fld>
             <a:endParaRPr lang="zh-HK" altLang="en-US"/>
           </a:p>
@@ -1782,7 +1782,7 @@
           <a:p>
             <a:fld id="{F90355FF-FE33-42EC-9212-B2AF526B5BE9}" type="datetimeFigureOut">
               <a:rPr lang="zh-HK" altLang="en-US" smtClean="0"/>
-              <a:t>20/11/2024</a:t>
+              <a:t>28/11/2024</a:t>
             </a:fld>
             <a:endParaRPr lang="zh-HK" altLang="en-US"/>
           </a:p>
@@ -1900,7 +1900,7 @@
           <a:p>
             <a:fld id="{F90355FF-FE33-42EC-9212-B2AF526B5BE9}" type="datetimeFigureOut">
               <a:rPr lang="zh-HK" altLang="en-US" smtClean="0"/>
-              <a:t>20/11/2024</a:t>
+              <a:t>28/11/2024</a:t>
             </a:fld>
             <a:endParaRPr lang="zh-HK" altLang="en-US"/>
           </a:p>
@@ -1995,7 +1995,7 @@
           <a:p>
             <a:fld id="{F90355FF-FE33-42EC-9212-B2AF526B5BE9}" type="datetimeFigureOut">
               <a:rPr lang="zh-HK" altLang="en-US" smtClean="0"/>
-              <a:t>20/11/2024</a:t>
+              <a:t>28/11/2024</a:t>
             </a:fld>
             <a:endParaRPr lang="zh-HK" altLang="en-US"/>
           </a:p>
@@ -2272,7 +2272,7 @@
           <a:p>
             <a:fld id="{F90355FF-FE33-42EC-9212-B2AF526B5BE9}" type="datetimeFigureOut">
               <a:rPr lang="zh-HK" altLang="en-US" smtClean="0"/>
-              <a:t>20/11/2024</a:t>
+              <a:t>28/11/2024</a:t>
             </a:fld>
             <a:endParaRPr lang="zh-HK" altLang="en-US"/>
           </a:p>
@@ -2525,7 +2525,7 @@
           <a:p>
             <a:fld id="{F90355FF-FE33-42EC-9212-B2AF526B5BE9}" type="datetimeFigureOut">
               <a:rPr lang="zh-HK" altLang="en-US" smtClean="0"/>
-              <a:t>20/11/2024</a:t>
+              <a:t>28/11/2024</a:t>
             </a:fld>
             <a:endParaRPr lang="zh-HK" altLang="en-US"/>
           </a:p>
@@ -2738,7 +2738,7 @@
           <a:p>
             <a:fld id="{F90355FF-FE33-42EC-9212-B2AF526B5BE9}" type="datetimeFigureOut">
               <a:rPr lang="zh-HK" altLang="en-US" smtClean="0"/>
-              <a:t>20/11/2024</a:t>
+              <a:t>28/11/2024</a:t>
             </a:fld>
             <a:endParaRPr lang="zh-HK" altLang="en-US"/>
           </a:p>
@@ -5205,8 +5205,8 @@
         </p:nvSpPr>
         <p:spPr>
           <a:xfrm>
-            <a:off x="251520" y="1412776"/>
-            <a:ext cx="8640960" cy="5262979"/>
+            <a:off x="251520" y="980728"/>
+            <a:ext cx="8640960" cy="5632311"/>
           </a:xfrm>
           <a:prstGeom prst="rect">
             <a:avLst/>
@@ -5358,6 +5358,88 @@
               </a:rPr>
               <a:t>: &lt;filename&gt;</a:t>
             </a:r>
+          </a:p>
+          <a:p>
+            <a:r>
+              <a:rPr lang="en-US" altLang="zh-HK" sz="1200" dirty="0" smtClean="0">
+                <a:latin typeface="Courier New" panose="02070309020205020404" pitchFamily="49" charset="0"/>
+                <a:cs typeface="Courier New" panose="02070309020205020404" pitchFamily="49" charset="0"/>
+              </a:rPr>
+              <a:t>}</a:t>
+            </a:r>
+          </a:p>
+          <a:p>
+            <a:endParaRPr lang="en-US" altLang="zh-HK" sz="1200" dirty="0">
+              <a:latin typeface="Courier New" panose="02070309020205020404" pitchFamily="49" charset="0"/>
+              <a:cs typeface="Courier New" panose="02070309020205020404" pitchFamily="49" charset="0"/>
+            </a:endParaRPr>
+          </a:p>
+          <a:p>
+            <a:r>
+              <a:rPr lang="en-US" altLang="zh-HK" sz="1200" dirty="0" err="1">
+                <a:latin typeface="Courier New" panose="02070309020205020404" pitchFamily="49" charset="0"/>
+                <a:cs typeface="Courier New" panose="02070309020205020404" pitchFamily="49" charset="0"/>
+              </a:rPr>
+              <a:t>p</a:t>
+            </a:r>
+            <a:r>
+              <a:rPr lang="en-US" altLang="zh-HK" sz="1200" dirty="0" err="1" smtClean="0">
+                <a:latin typeface="Courier New" panose="02070309020205020404" pitchFamily="49" charset="0"/>
+                <a:cs typeface="Courier New" panose="02070309020205020404" pitchFamily="49" charset="0"/>
+              </a:rPr>
+              <a:t>hoto</a:t>
+            </a:r>
+            <a:r>
+              <a:rPr lang="en-US" altLang="zh-TW" sz="1200" dirty="0" err="1" smtClean="0">
+                <a:latin typeface="Courier New" panose="02070309020205020404" pitchFamily="49" charset="0"/>
+                <a:cs typeface="Courier New" panose="02070309020205020404" pitchFamily="49" charset="0"/>
+              </a:rPr>
+              <a:t>_</a:t>
+            </a:r>
+            <a:r>
+              <a:rPr lang="en-US" altLang="zh-HK" sz="1200" dirty="0" err="1" smtClean="0">
+                <a:latin typeface="Courier New" panose="02070309020205020404" pitchFamily="49" charset="0"/>
+                <a:cs typeface="Courier New" panose="02070309020205020404" pitchFamily="49" charset="0"/>
+              </a:rPr>
+              <a:t>collection</a:t>
+            </a:r>
+            <a:r>
+              <a:rPr lang="en-US" altLang="zh-HK" sz="1200" dirty="0" smtClean="0">
+                <a:latin typeface="Courier New" panose="02070309020205020404" pitchFamily="49" charset="0"/>
+                <a:cs typeface="Courier New" panose="02070309020205020404" pitchFamily="49" charset="0"/>
+              </a:rPr>
+              <a:t>:</a:t>
+            </a:r>
+          </a:p>
+          <a:p>
+            <a:r>
+              <a:rPr lang="en-US" altLang="zh-HK" sz="1200" dirty="0" smtClean="0">
+                <a:latin typeface="Courier New" panose="02070309020205020404" pitchFamily="49" charset="0"/>
+                <a:cs typeface="Courier New" panose="02070309020205020404" pitchFamily="49" charset="0"/>
+              </a:rPr>
+              <a:t>{   {   </a:t>
+            </a:r>
+            <a:r>
+              <a:rPr lang="en-US" altLang="zh-HK" sz="1200" dirty="0" err="1" smtClean="0">
+                <a:latin typeface="Courier New" panose="02070309020205020404" pitchFamily="49" charset="0"/>
+                <a:cs typeface="Courier New" panose="02070309020205020404" pitchFamily="49" charset="0"/>
+              </a:rPr>
+              <a:t>login_id</a:t>
+            </a:r>
+            <a:r>
+              <a:rPr lang="en-US" altLang="zh-HK" sz="1200" dirty="0" smtClean="0">
+                <a:latin typeface="Courier New" panose="02070309020205020404" pitchFamily="49" charset="0"/>
+                <a:cs typeface="Courier New" panose="02070309020205020404" pitchFamily="49" charset="0"/>
+              </a:rPr>
+              <a:t>: &lt;</a:t>
+            </a:r>
+            <a:r>
+              <a:rPr lang="en-US" altLang="zh-TW" sz="1200" dirty="0" smtClean="0">
+                <a:latin typeface="Courier New" panose="02070309020205020404" pitchFamily="49" charset="0"/>
+                <a:cs typeface="Courier New" panose="02070309020205020404" pitchFamily="49" charset="0"/>
+              </a:rPr>
+              <a:t>Login ID&gt;,</a:t>
+            </a:r>
             <a:endParaRPr lang="en-US" altLang="zh-HK" sz="1200" dirty="0" smtClean="0">
               <a:latin typeface="Courier New" panose="02070309020205020404" pitchFamily="49" charset="0"/>
               <a:cs typeface="Courier New" panose="02070309020205020404" pitchFamily="49" charset="0"/>
@@ -5369,10 +5451,22 @@
                 <a:latin typeface="Courier New" panose="02070309020205020404" pitchFamily="49" charset="0"/>
                 <a:cs typeface="Courier New" panose="02070309020205020404" pitchFamily="49" charset="0"/>
               </a:rPr>
-              <a:t>}</a:t>
-            </a:r>
-          </a:p>
-          <a:p>
+              <a:t>        filename</a:t>
+            </a:r>
+            <a:r>
+              <a:rPr lang="en-US" altLang="zh-HK" sz="1200" dirty="0">
+                <a:latin typeface="Courier New" panose="02070309020205020404" pitchFamily="49" charset="0"/>
+                <a:cs typeface="Courier New" panose="02070309020205020404" pitchFamily="49" charset="0"/>
+              </a:rPr>
+              <a:t>: </a:t>
+            </a:r>
+            <a:r>
+              <a:rPr lang="en-US" altLang="zh-HK" sz="1200" dirty="0" smtClean="0">
+                <a:latin typeface="Courier New" panose="02070309020205020404" pitchFamily="49" charset="0"/>
+                <a:cs typeface="Courier New" panose="02070309020205020404" pitchFamily="49" charset="0"/>
+              </a:rPr>
+              <a:t>&lt;Image Filename&gt;,</a:t>
+            </a:r>
             <a:endParaRPr lang="en-US" altLang="zh-HK" sz="1200" dirty="0">
               <a:latin typeface="Courier New" panose="02070309020205020404" pitchFamily="49" charset="0"/>
               <a:cs typeface="Courier New" panose="02070309020205020404" pitchFamily="49" charset="0"/>
@@ -5380,69 +5474,545 @@
           </a:p>
           <a:p>
             <a:r>
-              <a:rPr lang="en-US" altLang="zh-HK" sz="1200" dirty="0" err="1">
-                <a:latin typeface="Courier New" panose="02070309020205020404" pitchFamily="49" charset="0"/>
-                <a:cs typeface="Courier New" panose="02070309020205020404" pitchFamily="49" charset="0"/>
-              </a:rPr>
-              <a:t>p</a:t>
+              <a:rPr lang="en-US" altLang="zh-HK" sz="1200" dirty="0">
+                <a:latin typeface="Courier New" panose="02070309020205020404" pitchFamily="49" charset="0"/>
+                <a:cs typeface="Courier New" panose="02070309020205020404" pitchFamily="49" charset="0"/>
+              </a:rPr>
+              <a:t> </a:t>
+            </a:r>
+            <a:r>
+              <a:rPr lang="en-US" altLang="zh-HK" sz="1200" dirty="0" smtClean="0">
+                <a:latin typeface="Courier New" panose="02070309020205020404" pitchFamily="49" charset="0"/>
+                <a:cs typeface="Courier New" panose="02070309020205020404" pitchFamily="49" charset="0"/>
+              </a:rPr>
+              <a:t>       ISO</a:t>
+            </a:r>
+            <a:r>
+              <a:rPr lang="en-US" altLang="zh-HK" sz="1200" dirty="0">
+                <a:latin typeface="Courier New" panose="02070309020205020404" pitchFamily="49" charset="0"/>
+                <a:cs typeface="Courier New" panose="02070309020205020404" pitchFamily="49" charset="0"/>
+              </a:rPr>
+              <a:t>: </a:t>
+            </a:r>
+            <a:r>
+              <a:rPr lang="en-US" altLang="zh-HK" sz="1200" dirty="0" smtClean="0">
+                <a:latin typeface="Courier New" panose="02070309020205020404" pitchFamily="49" charset="0"/>
+                <a:cs typeface="Courier New" panose="02070309020205020404" pitchFamily="49" charset="0"/>
+              </a:rPr>
+              <a:t>&lt;ISO&gt;,</a:t>
+            </a:r>
+          </a:p>
+          <a:p>
+            <a:r>
+              <a:rPr lang="en-US" altLang="zh-HK" sz="1200" dirty="0" smtClean="0">
+                <a:latin typeface="Courier New" panose="02070309020205020404" pitchFamily="49" charset="0"/>
+                <a:cs typeface="Courier New" panose="02070309020205020404" pitchFamily="49" charset="0"/>
+              </a:rPr>
+              <a:t>        </a:t>
+            </a:r>
+            <a:r>
+              <a:rPr lang="en-US" altLang="zh-HK" sz="1200" i="1" dirty="0" smtClean="0">
+                <a:latin typeface="Courier New" panose="02070309020205020404" pitchFamily="49" charset="0"/>
+                <a:cs typeface="Courier New" panose="02070309020205020404" pitchFamily="49" charset="0"/>
+              </a:rPr>
+              <a:t>aperture</a:t>
+            </a:r>
+            <a:r>
+              <a:rPr lang="en-US" altLang="zh-HK" sz="1200" i="1" dirty="0">
+                <a:latin typeface="Courier New" panose="02070309020205020404" pitchFamily="49" charset="0"/>
+                <a:cs typeface="Courier New" panose="02070309020205020404" pitchFamily="49" charset="0"/>
+              </a:rPr>
+              <a:t>: &lt;</a:t>
+            </a:r>
+            <a:r>
+              <a:rPr lang="en-US" altLang="zh-HK" sz="1200" i="1" dirty="0" smtClean="0">
+                <a:latin typeface="Courier New" panose="02070309020205020404" pitchFamily="49" charset="0"/>
+                <a:cs typeface="Courier New" panose="02070309020205020404" pitchFamily="49" charset="0"/>
+              </a:rPr>
+              <a:t>aperture&gt;,</a:t>
+            </a:r>
+          </a:p>
+          <a:p>
+            <a:r>
+              <a:rPr lang="en-US" altLang="zh-HK" sz="1200" i="1" dirty="0" smtClean="0">
+                <a:latin typeface="Courier New" panose="02070309020205020404" pitchFamily="49" charset="0"/>
+                <a:cs typeface="Courier New" panose="02070309020205020404" pitchFamily="49" charset="0"/>
+              </a:rPr>
+              <a:t>        shutter</a:t>
+            </a:r>
+            <a:r>
+              <a:rPr lang="en-US" altLang="zh-HK" sz="1200" i="1" dirty="0">
+                <a:latin typeface="Courier New" panose="02070309020205020404" pitchFamily="49" charset="0"/>
+                <a:cs typeface="Courier New" panose="02070309020205020404" pitchFamily="49" charset="0"/>
+              </a:rPr>
+              <a:t>: &lt;</a:t>
+            </a:r>
+            <a:r>
+              <a:rPr lang="en-US" altLang="zh-HK" sz="1200" i="1" dirty="0" smtClean="0">
+                <a:latin typeface="Courier New" panose="02070309020205020404" pitchFamily="49" charset="0"/>
+                <a:cs typeface="Courier New" panose="02070309020205020404" pitchFamily="49" charset="0"/>
+              </a:rPr>
+              <a:t>shutter&gt;,</a:t>
+            </a:r>
+          </a:p>
+          <a:p>
+            <a:r>
+              <a:rPr lang="en-US" altLang="zh-HK" sz="1200" i="1" dirty="0" smtClean="0">
+                <a:latin typeface="Courier New" panose="02070309020205020404" pitchFamily="49" charset="0"/>
+                <a:cs typeface="Courier New" panose="02070309020205020404" pitchFamily="49" charset="0"/>
+              </a:rPr>
+              <a:t>        EV: &lt;EV</a:t>
+            </a:r>
+            <a:r>
+              <a:rPr lang="en-US" altLang="zh-HK" sz="1200" i="1" dirty="0" smtClean="0">
+                <a:latin typeface="Courier New" panose="02070309020205020404" pitchFamily="49" charset="0"/>
+                <a:cs typeface="Courier New" panose="02070309020205020404" pitchFamily="49" charset="0"/>
+              </a:rPr>
+              <a:t>+/-&gt;,</a:t>
+            </a:r>
+          </a:p>
+          <a:p>
+            <a:r>
+              <a:rPr lang="en-US" altLang="zh-HK" sz="1200" i="1" dirty="0" smtClean="0">
+                <a:latin typeface="Courier New" panose="02070309020205020404" pitchFamily="49" charset="0"/>
+                <a:cs typeface="Courier New" panose="02070309020205020404" pitchFamily="49" charset="0"/>
+              </a:rPr>
+              <a:t>        </a:t>
+            </a:r>
+            <a:r>
+              <a:rPr lang="en-US" altLang="zh-HK" sz="1200" i="1" dirty="0" err="1" smtClean="0">
+                <a:latin typeface="Courier New" panose="02070309020205020404" pitchFamily="49" charset="0"/>
+                <a:cs typeface="Courier New" panose="02070309020205020404" pitchFamily="49" charset="0"/>
+              </a:rPr>
+              <a:t>likeCount</a:t>
+            </a:r>
+            <a:r>
+              <a:rPr lang="en-US" altLang="zh-HK" sz="1200" i="1" dirty="0" smtClean="0">
+                <a:latin typeface="Courier New" panose="02070309020205020404" pitchFamily="49" charset="0"/>
+                <a:cs typeface="Courier New" panose="02070309020205020404" pitchFamily="49" charset="0"/>
+              </a:rPr>
+              <a:t>: &lt;Count of like&gt;,</a:t>
+            </a:r>
+          </a:p>
+          <a:p>
+            <a:r>
+              <a:rPr lang="en-US" altLang="zh-HK" sz="1200" i="1" dirty="0" smtClean="0">
+                <a:latin typeface="Courier New" panose="02070309020205020404" pitchFamily="49" charset="0"/>
+                <a:cs typeface="Courier New" panose="02070309020205020404" pitchFamily="49" charset="0"/>
+              </a:rPr>
+              <a:t>        </a:t>
+            </a:r>
+            <a:r>
+              <a:rPr lang="en-US" altLang="zh-HK" sz="1200" i="1" dirty="0" err="1" smtClean="0">
+                <a:latin typeface="Courier New" panose="02070309020205020404" pitchFamily="49" charset="0"/>
+                <a:cs typeface="Courier New" panose="02070309020205020404" pitchFamily="49" charset="0"/>
+              </a:rPr>
+              <a:t>likeBy</a:t>
+            </a:r>
+            <a:r>
+              <a:rPr lang="en-US" altLang="zh-HK" sz="1200" i="1" dirty="0" smtClean="0">
+                <a:latin typeface="Courier New" panose="02070309020205020404" pitchFamily="49" charset="0"/>
+                <a:cs typeface="Courier New" panose="02070309020205020404" pitchFamily="49" charset="0"/>
+              </a:rPr>
+              <a:t>: [&lt;array of login ID&gt;],</a:t>
+            </a:r>
+            <a:endParaRPr lang="en-US" altLang="zh-HK" sz="1200" i="1" dirty="0">
+              <a:latin typeface="Courier New" panose="02070309020205020404" pitchFamily="49" charset="0"/>
+              <a:cs typeface="Courier New" panose="02070309020205020404" pitchFamily="49" charset="0"/>
+            </a:endParaRPr>
+          </a:p>
+          <a:p>
+            <a:r>
+              <a:rPr lang="en-US" altLang="zh-HK" sz="1200" dirty="0" smtClean="0">
+                <a:latin typeface="Courier New" panose="02070309020205020404" pitchFamily="49" charset="0"/>
+                <a:cs typeface="Courier New" panose="02070309020205020404" pitchFamily="49" charset="0"/>
+              </a:rPr>
+              <a:t>        raw1: {filename:&lt;filename&gt;, ISO:…, aperture:…, </a:t>
+            </a:r>
+            <a:r>
+              <a:rPr lang="en-US" altLang="zh-HK" sz="1200" dirty="0">
+                <a:latin typeface="Courier New" panose="02070309020205020404" pitchFamily="49" charset="0"/>
+                <a:cs typeface="Courier New" panose="02070309020205020404" pitchFamily="49" charset="0"/>
+              </a:rPr>
+              <a:t>shutter</a:t>
+            </a:r>
+            <a:r>
+              <a:rPr lang="en-US" altLang="zh-HK" sz="1200" dirty="0" smtClean="0">
+                <a:latin typeface="Courier New" panose="02070309020205020404" pitchFamily="49" charset="0"/>
+                <a:cs typeface="Courier New" panose="02070309020205020404" pitchFamily="49" charset="0"/>
+              </a:rPr>
+              <a:t>:…, </a:t>
+            </a:r>
+            <a:r>
+              <a:rPr lang="en-US" altLang="zh-HK" sz="1200" dirty="0">
+                <a:latin typeface="Courier New" panose="02070309020205020404" pitchFamily="49" charset="0"/>
+                <a:cs typeface="Courier New" panose="02070309020205020404" pitchFamily="49" charset="0"/>
+              </a:rPr>
+              <a:t>EV</a:t>
+            </a:r>
+            <a:r>
+              <a:rPr lang="en-US" altLang="zh-HK" sz="1200" dirty="0" smtClean="0">
+                <a:latin typeface="Courier New" panose="02070309020205020404" pitchFamily="49" charset="0"/>
+                <a:cs typeface="Courier New" panose="02070309020205020404" pitchFamily="49" charset="0"/>
+              </a:rPr>
+              <a:t>:… },</a:t>
+            </a:r>
+            <a:endParaRPr lang="en-US" altLang="zh-HK" sz="1200" dirty="0">
+              <a:latin typeface="Courier New" panose="02070309020205020404" pitchFamily="49" charset="0"/>
+              <a:cs typeface="Courier New" panose="02070309020205020404" pitchFamily="49" charset="0"/>
+            </a:endParaRPr>
+          </a:p>
+          <a:p>
+            <a:r>
+              <a:rPr lang="en-US" altLang="zh-HK" sz="1200" dirty="0">
+                <a:latin typeface="Courier New" panose="02070309020205020404" pitchFamily="49" charset="0"/>
+                <a:cs typeface="Courier New" panose="02070309020205020404" pitchFamily="49" charset="0"/>
+              </a:rPr>
+              <a:t> </a:t>
+            </a:r>
+            <a:r>
+              <a:rPr lang="en-US" altLang="zh-HK" sz="1200" dirty="0" smtClean="0">
+                <a:latin typeface="Courier New" panose="02070309020205020404" pitchFamily="49" charset="0"/>
+                <a:cs typeface="Courier New" panose="02070309020205020404" pitchFamily="49" charset="0"/>
+              </a:rPr>
+              <a:t>       raw2: {filename:&lt;filename</a:t>
+            </a:r>
+            <a:r>
+              <a:rPr lang="en-US" altLang="zh-HK" sz="1200" dirty="0">
+                <a:latin typeface="Courier New" panose="02070309020205020404" pitchFamily="49" charset="0"/>
+                <a:cs typeface="Courier New" panose="02070309020205020404" pitchFamily="49" charset="0"/>
+              </a:rPr>
+              <a:t>&gt;, ISO</a:t>
+            </a:r>
+            <a:r>
+              <a:rPr lang="en-US" altLang="zh-HK" sz="1200" dirty="0" smtClean="0">
+                <a:latin typeface="Courier New" panose="02070309020205020404" pitchFamily="49" charset="0"/>
+                <a:cs typeface="Courier New" panose="02070309020205020404" pitchFamily="49" charset="0"/>
+              </a:rPr>
+              <a:t>:…, </a:t>
+            </a:r>
+            <a:r>
+              <a:rPr lang="en-US" altLang="zh-HK" sz="1200" dirty="0">
+                <a:latin typeface="Courier New" panose="02070309020205020404" pitchFamily="49" charset="0"/>
+                <a:cs typeface="Courier New" panose="02070309020205020404" pitchFamily="49" charset="0"/>
+              </a:rPr>
+              <a:t>aperture</a:t>
+            </a:r>
+            <a:r>
+              <a:rPr lang="en-US" altLang="zh-HK" sz="1200" dirty="0" smtClean="0">
+                <a:latin typeface="Courier New" panose="02070309020205020404" pitchFamily="49" charset="0"/>
+                <a:cs typeface="Courier New" panose="02070309020205020404" pitchFamily="49" charset="0"/>
+              </a:rPr>
+              <a:t>:…, </a:t>
+            </a:r>
+            <a:r>
+              <a:rPr lang="en-US" altLang="zh-HK" sz="1200" dirty="0">
+                <a:latin typeface="Courier New" panose="02070309020205020404" pitchFamily="49" charset="0"/>
+                <a:cs typeface="Courier New" panose="02070309020205020404" pitchFamily="49" charset="0"/>
+              </a:rPr>
+              <a:t>shutter</a:t>
+            </a:r>
+            <a:r>
+              <a:rPr lang="en-US" altLang="zh-HK" sz="1200" dirty="0" smtClean="0">
+                <a:latin typeface="Courier New" panose="02070309020205020404" pitchFamily="49" charset="0"/>
+                <a:cs typeface="Courier New" panose="02070309020205020404" pitchFamily="49" charset="0"/>
+              </a:rPr>
+              <a:t>:…, </a:t>
+            </a:r>
+            <a:r>
+              <a:rPr lang="en-US" altLang="zh-HK" sz="1200" dirty="0">
+                <a:latin typeface="Courier New" panose="02070309020205020404" pitchFamily="49" charset="0"/>
+                <a:cs typeface="Courier New" panose="02070309020205020404" pitchFamily="49" charset="0"/>
+              </a:rPr>
+              <a:t>EV</a:t>
+            </a:r>
+            <a:r>
+              <a:rPr lang="en-US" altLang="zh-HK" sz="1200" dirty="0" smtClean="0">
+                <a:latin typeface="Courier New" panose="02070309020205020404" pitchFamily="49" charset="0"/>
+                <a:cs typeface="Courier New" panose="02070309020205020404" pitchFamily="49" charset="0"/>
+              </a:rPr>
+              <a:t>:… }</a:t>
+            </a:r>
+          </a:p>
+          <a:p>
+            <a:r>
+              <a:rPr lang="en-US" altLang="zh-HK" sz="1200" dirty="0">
+                <a:latin typeface="Courier New" panose="02070309020205020404" pitchFamily="49" charset="0"/>
+                <a:cs typeface="Courier New" panose="02070309020205020404" pitchFamily="49" charset="0"/>
+              </a:rPr>
+              <a:t> </a:t>
+            </a:r>
+            <a:r>
+              <a:rPr lang="en-US" altLang="zh-HK" sz="1200" dirty="0" smtClean="0">
+                <a:latin typeface="Courier New" panose="02070309020205020404" pitchFamily="49" charset="0"/>
+                <a:cs typeface="Courier New" panose="02070309020205020404" pitchFamily="49" charset="0"/>
+              </a:rPr>
+              <a:t>   },</a:t>
+            </a:r>
+            <a:endParaRPr lang="en-US" altLang="zh-HK" sz="1200" dirty="0">
+              <a:latin typeface="Courier New" panose="02070309020205020404" pitchFamily="49" charset="0"/>
+              <a:cs typeface="Courier New" panose="02070309020205020404" pitchFamily="49" charset="0"/>
+            </a:endParaRPr>
+          </a:p>
+          <a:p>
+            <a:r>
+              <a:rPr lang="en-US" altLang="zh-HK" sz="1200" dirty="0" smtClean="0">
+                <a:latin typeface="Courier New" panose="02070309020205020404" pitchFamily="49" charset="0"/>
+                <a:cs typeface="Courier New" panose="02070309020205020404" pitchFamily="49" charset="0"/>
+              </a:rPr>
+              <a:t>    {   </a:t>
             </a:r>
             <a:r>
               <a:rPr lang="en-US" altLang="zh-HK" sz="1200" dirty="0" err="1" smtClean="0">
                 <a:latin typeface="Courier New" panose="02070309020205020404" pitchFamily="49" charset="0"/>
                 <a:cs typeface="Courier New" panose="02070309020205020404" pitchFamily="49" charset="0"/>
               </a:rPr>
-              <a:t>hoto</a:t>
-            </a:r>
-            <a:r>
-              <a:rPr lang="en-US" altLang="zh-TW" sz="1200" dirty="0" err="1" smtClean="0">
-                <a:latin typeface="Courier New" panose="02070309020205020404" pitchFamily="49" charset="0"/>
-                <a:cs typeface="Courier New" panose="02070309020205020404" pitchFamily="49" charset="0"/>
-              </a:rPr>
-              <a:t>_</a:t>
-            </a:r>
-            <a:r>
-              <a:rPr lang="en-US" altLang="zh-HK" sz="1200" dirty="0" err="1" smtClean="0">
-                <a:latin typeface="Courier New" panose="02070309020205020404" pitchFamily="49" charset="0"/>
-                <a:cs typeface="Courier New" panose="02070309020205020404" pitchFamily="49" charset="0"/>
-              </a:rPr>
-              <a:t>collection</a:t>
+              <a:t>login_id</a:t>
             </a:r>
             <a:r>
               <a:rPr lang="en-US" altLang="zh-HK" sz="1200" dirty="0" smtClean="0">
                 <a:latin typeface="Courier New" panose="02070309020205020404" pitchFamily="49" charset="0"/>
                 <a:cs typeface="Courier New" panose="02070309020205020404" pitchFamily="49" charset="0"/>
               </a:rPr>
-              <a:t>:</a:t>
-            </a:r>
-          </a:p>
-          <a:p>
+              <a:t>: “john”,</a:t>
+            </a:r>
+          </a:p>
+          <a:p>
+            <a:r>
+              <a:rPr lang="en-US" altLang="zh-HK" sz="1200" dirty="0">
+                <a:latin typeface="Courier New" panose="02070309020205020404" pitchFamily="49" charset="0"/>
+                <a:cs typeface="Courier New" panose="02070309020205020404" pitchFamily="49" charset="0"/>
+              </a:rPr>
+              <a:t> </a:t>
+            </a:r>
             <a:r>
               <a:rPr lang="en-US" altLang="zh-HK" sz="1200" dirty="0" smtClean="0">
                 <a:latin typeface="Courier New" panose="02070309020205020404" pitchFamily="49" charset="0"/>
                 <a:cs typeface="Courier New" panose="02070309020205020404" pitchFamily="49" charset="0"/>
               </a:rPr>
-              <a:t>{   {   </a:t>
-            </a:r>
-            <a:r>
-              <a:rPr lang="en-US" altLang="zh-HK" sz="1200" dirty="0" err="1" smtClean="0">
-                <a:latin typeface="Courier New" panose="02070309020205020404" pitchFamily="49" charset="0"/>
-                <a:cs typeface="Courier New" panose="02070309020205020404" pitchFamily="49" charset="0"/>
-              </a:rPr>
-              <a:t>login_id</a:t>
+              <a:t>       filename</a:t>
+            </a:r>
+            <a:r>
+              <a:rPr lang="en-US" altLang="zh-HK" sz="1200" dirty="0">
+                <a:latin typeface="Courier New" panose="02070309020205020404" pitchFamily="49" charset="0"/>
+                <a:cs typeface="Courier New" panose="02070309020205020404" pitchFamily="49" charset="0"/>
+              </a:rPr>
+              <a:t>: </a:t>
             </a:r>
             <a:r>
               <a:rPr lang="en-US" altLang="zh-HK" sz="1200" dirty="0" smtClean="0">
                 <a:latin typeface="Courier New" panose="02070309020205020404" pitchFamily="49" charset="0"/>
                 <a:cs typeface="Courier New" panose="02070309020205020404" pitchFamily="49" charset="0"/>
               </a:rPr>
-              <a:t>: &lt;</a:t>
-            </a:r>
-            <a:r>
-              <a:rPr lang="en-US" altLang="zh-TW" sz="1200" dirty="0" smtClean="0">
-                <a:latin typeface="Courier New" panose="02070309020205020404" pitchFamily="49" charset="0"/>
-                <a:cs typeface="Courier New" panose="02070309020205020404" pitchFamily="49" charset="0"/>
-              </a:rPr>
-              <a:t>Login ID&gt;,</a:t>
+              <a:t>“scene.jpg”,</a:t>
+            </a:r>
+            <a:endParaRPr lang="en-US" altLang="zh-HK" sz="1200" dirty="0">
+              <a:latin typeface="Courier New" panose="02070309020205020404" pitchFamily="49" charset="0"/>
+              <a:cs typeface="Courier New" panose="02070309020205020404" pitchFamily="49" charset="0"/>
+            </a:endParaRPr>
+          </a:p>
+          <a:p>
+            <a:r>
+              <a:rPr lang="en-US" altLang="zh-HK" sz="1200" dirty="0" smtClean="0">
+                <a:latin typeface="Courier New" panose="02070309020205020404" pitchFamily="49" charset="0"/>
+                <a:cs typeface="Courier New" panose="02070309020205020404" pitchFamily="49" charset="0"/>
+              </a:rPr>
+              <a:t>        ISO: 100,</a:t>
+            </a:r>
+          </a:p>
+          <a:p>
+            <a:r>
+              <a:rPr lang="en-US" altLang="zh-HK" sz="1200" dirty="0" smtClean="0">
+                <a:latin typeface="Courier New" panose="02070309020205020404" pitchFamily="49" charset="0"/>
+                <a:cs typeface="Courier New" panose="02070309020205020404" pitchFamily="49" charset="0"/>
+              </a:rPr>
+              <a:t>        </a:t>
+            </a:r>
+            <a:r>
+              <a:rPr lang="en-US" altLang="zh-HK" sz="1200" i="1" dirty="0" smtClean="0">
+                <a:latin typeface="Courier New" panose="02070309020205020404" pitchFamily="49" charset="0"/>
+                <a:cs typeface="Courier New" panose="02070309020205020404" pitchFamily="49" charset="0"/>
+              </a:rPr>
+              <a:t>aperture</a:t>
+            </a:r>
+            <a:r>
+              <a:rPr lang="en-US" altLang="zh-HK" sz="1200" i="1" dirty="0">
+                <a:latin typeface="Courier New" panose="02070309020205020404" pitchFamily="49" charset="0"/>
+                <a:cs typeface="Courier New" panose="02070309020205020404" pitchFamily="49" charset="0"/>
+              </a:rPr>
+              <a:t>: </a:t>
+            </a:r>
+            <a:r>
+              <a:rPr lang="en-US" altLang="zh-HK" sz="1200" i="1" dirty="0" smtClean="0">
+                <a:latin typeface="Courier New" panose="02070309020205020404" pitchFamily="49" charset="0"/>
+                <a:cs typeface="Courier New" panose="02070309020205020404" pitchFamily="49" charset="0"/>
+              </a:rPr>
+              <a:t>8,</a:t>
+            </a:r>
+            <a:endParaRPr lang="en-US" altLang="zh-HK" sz="1200" i="1" dirty="0">
+              <a:latin typeface="Courier New" panose="02070309020205020404" pitchFamily="49" charset="0"/>
+              <a:cs typeface="Courier New" panose="02070309020205020404" pitchFamily="49" charset="0"/>
+            </a:endParaRPr>
+          </a:p>
+          <a:p>
+            <a:r>
+              <a:rPr lang="en-US" altLang="zh-HK" sz="1200" i="1" dirty="0" smtClean="0">
+                <a:latin typeface="Courier New" panose="02070309020205020404" pitchFamily="49" charset="0"/>
+                <a:cs typeface="Courier New" panose="02070309020205020404" pitchFamily="49" charset="0"/>
+              </a:rPr>
+              <a:t>        shutter</a:t>
+            </a:r>
+            <a:r>
+              <a:rPr lang="en-US" altLang="zh-HK" sz="1200" i="1" dirty="0">
+                <a:latin typeface="Courier New" panose="02070309020205020404" pitchFamily="49" charset="0"/>
+                <a:cs typeface="Courier New" panose="02070309020205020404" pitchFamily="49" charset="0"/>
+              </a:rPr>
+              <a:t>: </a:t>
+            </a:r>
+            <a:r>
+              <a:rPr lang="en-US" altLang="zh-HK" sz="1200" dirty="0" smtClean="0">
+                <a:latin typeface="Courier New" panose="02070309020205020404" pitchFamily="49" charset="0"/>
+                <a:cs typeface="Courier New" panose="02070309020205020404" pitchFamily="49" charset="0"/>
+              </a:rPr>
+              <a:t>“1</a:t>
+            </a:r>
+            <a:r>
+              <a:rPr lang="en-US" altLang="zh-HK" sz="1200" i="1" dirty="0" smtClean="0">
+                <a:latin typeface="Courier New" panose="02070309020205020404" pitchFamily="49" charset="0"/>
+                <a:cs typeface="Courier New" panose="02070309020205020404" pitchFamily="49" charset="0"/>
+              </a:rPr>
+              <a:t>/200”,</a:t>
+            </a:r>
+            <a:endParaRPr lang="en-US" altLang="zh-HK" sz="1200" i="1" dirty="0">
+              <a:latin typeface="Courier New" panose="02070309020205020404" pitchFamily="49" charset="0"/>
+              <a:cs typeface="Courier New" panose="02070309020205020404" pitchFamily="49" charset="0"/>
+            </a:endParaRPr>
+          </a:p>
+          <a:p>
+            <a:r>
+              <a:rPr lang="en-US" altLang="zh-HK" sz="1200" i="1" dirty="0" smtClean="0">
+                <a:latin typeface="Courier New" panose="02070309020205020404" pitchFamily="49" charset="0"/>
+                <a:cs typeface="Courier New" panose="02070309020205020404" pitchFamily="49" charset="0"/>
+              </a:rPr>
+              <a:t>        EV</a:t>
+            </a:r>
+            <a:r>
+              <a:rPr lang="en-US" altLang="zh-HK" sz="1200" i="1" dirty="0">
+                <a:latin typeface="Courier New" panose="02070309020205020404" pitchFamily="49" charset="0"/>
+                <a:cs typeface="Courier New" panose="02070309020205020404" pitchFamily="49" charset="0"/>
+              </a:rPr>
+              <a:t>: &lt;EV</a:t>
+            </a:r>
+            <a:r>
+              <a:rPr lang="en-US" altLang="zh-HK" sz="1200" i="1" dirty="0" smtClean="0">
+                <a:latin typeface="Courier New" panose="02070309020205020404" pitchFamily="49" charset="0"/>
+                <a:cs typeface="Courier New" panose="02070309020205020404" pitchFamily="49" charset="0"/>
+              </a:rPr>
+              <a:t>+/-&gt;,</a:t>
+            </a:r>
+          </a:p>
+          <a:p>
+            <a:r>
+              <a:rPr lang="en-US" altLang="zh-HK" sz="1200" i="1" dirty="0">
+                <a:latin typeface="Courier New" panose="02070309020205020404" pitchFamily="49" charset="0"/>
+                <a:cs typeface="Courier New" panose="02070309020205020404" pitchFamily="49" charset="0"/>
+              </a:rPr>
+              <a:t> </a:t>
+            </a:r>
+            <a:r>
+              <a:rPr lang="en-US" altLang="zh-HK" sz="1200" i="1" dirty="0" smtClean="0">
+                <a:latin typeface="Courier New" panose="02070309020205020404" pitchFamily="49" charset="0"/>
+                <a:cs typeface="Courier New" panose="02070309020205020404" pitchFamily="49" charset="0"/>
+              </a:rPr>
+              <a:t>       </a:t>
+            </a:r>
+            <a:r>
+              <a:rPr lang="en-US" altLang="zh-HK" sz="1200" i="1" dirty="0" err="1" smtClean="0">
+                <a:latin typeface="Courier New" panose="02070309020205020404" pitchFamily="49" charset="0"/>
+                <a:cs typeface="Courier New" panose="02070309020205020404" pitchFamily="49" charset="0"/>
+              </a:rPr>
+              <a:t>likeCount</a:t>
+            </a:r>
+            <a:r>
+              <a:rPr lang="en-US" altLang="zh-HK" sz="1200" i="1" dirty="0" smtClean="0">
+                <a:latin typeface="Courier New" panose="02070309020205020404" pitchFamily="49" charset="0"/>
+                <a:cs typeface="Courier New" panose="02070309020205020404" pitchFamily="49" charset="0"/>
+              </a:rPr>
+              <a:t>: 2,</a:t>
+            </a:r>
+            <a:endParaRPr lang="en-US" altLang="zh-HK" sz="1200" i="1" dirty="0" smtClean="0">
+              <a:latin typeface="Courier New" panose="02070309020205020404" pitchFamily="49" charset="0"/>
+              <a:cs typeface="Courier New" panose="02070309020205020404" pitchFamily="49" charset="0"/>
+            </a:endParaRPr>
+          </a:p>
+          <a:p>
+            <a:r>
+              <a:rPr lang="en-US" altLang="zh-HK" sz="1200" i="1" dirty="0" smtClean="0">
+                <a:latin typeface="Courier New" panose="02070309020205020404" pitchFamily="49" charset="0"/>
+                <a:cs typeface="Courier New" panose="02070309020205020404" pitchFamily="49" charset="0"/>
+              </a:rPr>
+              <a:t>        </a:t>
+            </a:r>
+            <a:r>
+              <a:rPr lang="en-US" altLang="zh-HK" sz="1200" i="1" dirty="0" err="1" smtClean="0">
+                <a:latin typeface="Courier New" panose="02070309020205020404" pitchFamily="49" charset="0"/>
+                <a:cs typeface="Courier New" panose="02070309020205020404" pitchFamily="49" charset="0"/>
+              </a:rPr>
+              <a:t>likeBy</a:t>
+            </a:r>
+            <a:r>
+              <a:rPr lang="en-US" altLang="zh-HK" sz="1200" i="1" dirty="0" smtClean="0">
+                <a:latin typeface="Courier New" panose="02070309020205020404" pitchFamily="49" charset="0"/>
+                <a:cs typeface="Courier New" panose="02070309020205020404" pitchFamily="49" charset="0"/>
+              </a:rPr>
+              <a:t>: [“AA”, “tester”],</a:t>
+            </a:r>
+            <a:endParaRPr lang="en-US" altLang="zh-HK" sz="1200" dirty="0">
+              <a:latin typeface="Courier New" panose="02070309020205020404" pitchFamily="49" charset="0"/>
+              <a:cs typeface="Courier New" panose="02070309020205020404" pitchFamily="49" charset="0"/>
+            </a:endParaRPr>
+          </a:p>
+          <a:p>
+            <a:r>
+              <a:rPr lang="en-US" altLang="zh-HK" sz="1200" dirty="0" smtClean="0">
+                <a:latin typeface="Courier New" panose="02070309020205020404" pitchFamily="49" charset="0"/>
+                <a:cs typeface="Courier New" panose="02070309020205020404" pitchFamily="49" charset="0"/>
+              </a:rPr>
+              <a:t>        raw1:{filename: ”main.jpg”, ISO:100, aperture:8, shutter:”1/200”, </a:t>
+            </a:r>
+            <a:r>
+              <a:rPr lang="en-US" altLang="zh-HK" sz="1200" dirty="0">
+                <a:latin typeface="Courier New" panose="02070309020205020404" pitchFamily="49" charset="0"/>
+                <a:cs typeface="Courier New" panose="02070309020205020404" pitchFamily="49" charset="0"/>
+              </a:rPr>
+              <a:t>EV</a:t>
+            </a:r>
+            <a:r>
+              <a:rPr lang="en-US" altLang="zh-HK" sz="1200" dirty="0" smtClean="0">
+                <a:latin typeface="Courier New" panose="02070309020205020404" pitchFamily="49" charset="0"/>
+                <a:cs typeface="Courier New" panose="02070309020205020404" pitchFamily="49" charset="0"/>
+              </a:rPr>
+              <a:t>:”-2” },</a:t>
+            </a:r>
+            <a:endParaRPr lang="en-US" altLang="zh-HK" sz="1200" dirty="0">
+              <a:latin typeface="Courier New" panose="02070309020205020404" pitchFamily="49" charset="0"/>
+              <a:cs typeface="Courier New" panose="02070309020205020404" pitchFamily="49" charset="0"/>
+            </a:endParaRPr>
+          </a:p>
+          <a:p>
+            <a:r>
+              <a:rPr lang="en-US" altLang="zh-HK" sz="1200" dirty="0" smtClean="0">
+                <a:latin typeface="Courier New" panose="02070309020205020404" pitchFamily="49" charset="0"/>
+                <a:cs typeface="Courier New" panose="02070309020205020404" pitchFamily="49" charset="0"/>
+              </a:rPr>
+              <a:t>        raw2:{filename: ”overlay.jpg”, </a:t>
+            </a:r>
+            <a:r>
+              <a:rPr lang="en-US" altLang="zh-HK" sz="1200" dirty="0">
+                <a:latin typeface="Courier New" panose="02070309020205020404" pitchFamily="49" charset="0"/>
+                <a:cs typeface="Courier New" panose="02070309020205020404" pitchFamily="49" charset="0"/>
+              </a:rPr>
+              <a:t>ISO:100, aperture:8, shutter:”1/200”, EV:”-2”}</a:t>
             </a:r>
             <a:endParaRPr lang="en-US" altLang="zh-HK" sz="1200" dirty="0" smtClean="0">
               <a:latin typeface="Courier New" panose="02070309020205020404" pitchFamily="49" charset="0"/>
@@ -5455,491 +6025,7 @@
                 <a:latin typeface="Courier New" panose="02070309020205020404" pitchFamily="49" charset="0"/>
                 <a:cs typeface="Courier New" panose="02070309020205020404" pitchFamily="49" charset="0"/>
               </a:rPr>
-              <a:t>        filename</a:t>
-            </a:r>
-            <a:r>
-              <a:rPr lang="en-US" altLang="zh-HK" sz="1200" dirty="0">
-                <a:latin typeface="Courier New" panose="02070309020205020404" pitchFamily="49" charset="0"/>
-                <a:cs typeface="Courier New" panose="02070309020205020404" pitchFamily="49" charset="0"/>
-              </a:rPr>
-              <a:t>: </a:t>
-            </a:r>
-            <a:r>
-              <a:rPr lang="en-US" altLang="zh-HK" sz="1200" dirty="0" smtClean="0">
-                <a:latin typeface="Courier New" panose="02070309020205020404" pitchFamily="49" charset="0"/>
-                <a:cs typeface="Courier New" panose="02070309020205020404" pitchFamily="49" charset="0"/>
-              </a:rPr>
-              <a:t>&lt;Image Filename&gt;,</a:t>
-            </a:r>
-            <a:endParaRPr lang="en-US" altLang="zh-HK" sz="1200" dirty="0">
-              <a:latin typeface="Courier New" panose="02070309020205020404" pitchFamily="49" charset="0"/>
-              <a:cs typeface="Courier New" panose="02070309020205020404" pitchFamily="49" charset="0"/>
-            </a:endParaRPr>
-          </a:p>
-          <a:p>
-            <a:r>
-              <a:rPr lang="en-US" altLang="zh-HK" sz="1200" dirty="0">
-                <a:latin typeface="Courier New" panose="02070309020205020404" pitchFamily="49" charset="0"/>
-                <a:cs typeface="Courier New" panose="02070309020205020404" pitchFamily="49" charset="0"/>
-              </a:rPr>
-              <a:t> </a:t>
-            </a:r>
-            <a:r>
-              <a:rPr lang="en-US" altLang="zh-HK" sz="1200" dirty="0" smtClean="0">
-                <a:latin typeface="Courier New" panose="02070309020205020404" pitchFamily="49" charset="0"/>
-                <a:cs typeface="Courier New" panose="02070309020205020404" pitchFamily="49" charset="0"/>
-              </a:rPr>
-              <a:t>       ISO</a:t>
-            </a:r>
-            <a:r>
-              <a:rPr lang="en-US" altLang="zh-HK" sz="1200" dirty="0">
-                <a:latin typeface="Courier New" panose="02070309020205020404" pitchFamily="49" charset="0"/>
-                <a:cs typeface="Courier New" panose="02070309020205020404" pitchFamily="49" charset="0"/>
-              </a:rPr>
-              <a:t>: </a:t>
-            </a:r>
-            <a:r>
-              <a:rPr lang="en-US" altLang="zh-HK" sz="1200" dirty="0" smtClean="0">
-                <a:latin typeface="Courier New" panose="02070309020205020404" pitchFamily="49" charset="0"/>
-                <a:cs typeface="Courier New" panose="02070309020205020404" pitchFamily="49" charset="0"/>
-              </a:rPr>
-              <a:t>&lt;ISO&gt;,</a:t>
-            </a:r>
-          </a:p>
-          <a:p>
-            <a:r>
-              <a:rPr lang="en-US" altLang="zh-HK" sz="1200" dirty="0" smtClean="0">
-                <a:latin typeface="Courier New" panose="02070309020205020404" pitchFamily="49" charset="0"/>
-                <a:cs typeface="Courier New" panose="02070309020205020404" pitchFamily="49" charset="0"/>
-              </a:rPr>
-              <a:t>        </a:t>
-            </a:r>
-            <a:r>
-              <a:rPr lang="en-US" altLang="zh-HK" sz="1200" i="1" dirty="0" smtClean="0">
-                <a:latin typeface="Courier New" panose="02070309020205020404" pitchFamily="49" charset="0"/>
-                <a:cs typeface="Courier New" panose="02070309020205020404" pitchFamily="49" charset="0"/>
-              </a:rPr>
-              <a:t>aperture</a:t>
-            </a:r>
-            <a:r>
-              <a:rPr lang="en-US" altLang="zh-HK" sz="1200" i="1" dirty="0">
-                <a:latin typeface="Courier New" panose="02070309020205020404" pitchFamily="49" charset="0"/>
-                <a:cs typeface="Courier New" panose="02070309020205020404" pitchFamily="49" charset="0"/>
-              </a:rPr>
-              <a:t>: &lt;</a:t>
-            </a:r>
-            <a:r>
-              <a:rPr lang="en-US" altLang="zh-HK" sz="1200" i="1" dirty="0" smtClean="0">
-                <a:latin typeface="Courier New" panose="02070309020205020404" pitchFamily="49" charset="0"/>
-                <a:cs typeface="Courier New" panose="02070309020205020404" pitchFamily="49" charset="0"/>
-              </a:rPr>
-              <a:t>aperture&gt;,</a:t>
-            </a:r>
-          </a:p>
-          <a:p>
-            <a:r>
-              <a:rPr lang="en-US" altLang="zh-HK" sz="1200" i="1" dirty="0" smtClean="0">
-                <a:latin typeface="Courier New" panose="02070309020205020404" pitchFamily="49" charset="0"/>
-                <a:cs typeface="Courier New" panose="02070309020205020404" pitchFamily="49" charset="0"/>
-              </a:rPr>
-              <a:t>        shutter</a:t>
-            </a:r>
-            <a:r>
-              <a:rPr lang="en-US" altLang="zh-HK" sz="1200" i="1" dirty="0">
-                <a:latin typeface="Courier New" panose="02070309020205020404" pitchFamily="49" charset="0"/>
-                <a:cs typeface="Courier New" panose="02070309020205020404" pitchFamily="49" charset="0"/>
-              </a:rPr>
-              <a:t>: &lt;</a:t>
-            </a:r>
-            <a:r>
-              <a:rPr lang="en-US" altLang="zh-HK" sz="1200" i="1" dirty="0" smtClean="0">
-                <a:latin typeface="Courier New" panose="02070309020205020404" pitchFamily="49" charset="0"/>
-                <a:cs typeface="Courier New" panose="02070309020205020404" pitchFamily="49" charset="0"/>
-              </a:rPr>
-              <a:t>shutter&gt;,</a:t>
-            </a:r>
-          </a:p>
-          <a:p>
-            <a:r>
-              <a:rPr lang="en-US" altLang="zh-HK" sz="1200" i="1" dirty="0" smtClean="0">
-                <a:latin typeface="Courier New" panose="02070309020205020404" pitchFamily="49" charset="0"/>
-                <a:cs typeface="Courier New" panose="02070309020205020404" pitchFamily="49" charset="0"/>
-              </a:rPr>
-              <a:t>        EV: &lt;EV+/-&gt;,</a:t>
-            </a:r>
-            <a:endParaRPr lang="en-US" altLang="zh-HK" sz="1200" i="1" dirty="0">
-              <a:latin typeface="Courier New" panose="02070309020205020404" pitchFamily="49" charset="0"/>
-              <a:cs typeface="Courier New" panose="02070309020205020404" pitchFamily="49" charset="0"/>
-            </a:endParaRPr>
-          </a:p>
-          <a:p>
-            <a:r>
-              <a:rPr lang="en-US" altLang="zh-HK" sz="1200" dirty="0" smtClean="0">
-                <a:latin typeface="Courier New" panose="02070309020205020404" pitchFamily="49" charset="0"/>
-                <a:cs typeface="Courier New" panose="02070309020205020404" pitchFamily="49" charset="0"/>
-              </a:rPr>
-              <a:t>        raw1: {filename:&lt;filename&gt;, ISO:…, aperture:…, </a:t>
-            </a:r>
-            <a:r>
-              <a:rPr lang="en-US" altLang="zh-HK" sz="1200" dirty="0">
-                <a:latin typeface="Courier New" panose="02070309020205020404" pitchFamily="49" charset="0"/>
-                <a:cs typeface="Courier New" panose="02070309020205020404" pitchFamily="49" charset="0"/>
-              </a:rPr>
-              <a:t>shutter</a:t>
-            </a:r>
-            <a:r>
-              <a:rPr lang="en-US" altLang="zh-HK" sz="1200" dirty="0" smtClean="0">
-                <a:latin typeface="Courier New" panose="02070309020205020404" pitchFamily="49" charset="0"/>
-                <a:cs typeface="Courier New" panose="02070309020205020404" pitchFamily="49" charset="0"/>
-              </a:rPr>
-              <a:t>:…, </a:t>
-            </a:r>
-            <a:r>
-              <a:rPr lang="en-US" altLang="zh-HK" sz="1200" dirty="0">
-                <a:latin typeface="Courier New" panose="02070309020205020404" pitchFamily="49" charset="0"/>
-                <a:cs typeface="Courier New" panose="02070309020205020404" pitchFamily="49" charset="0"/>
-              </a:rPr>
-              <a:t>EV</a:t>
-            </a:r>
-            <a:r>
-              <a:rPr lang="en-US" altLang="zh-HK" sz="1200" dirty="0" smtClean="0">
-                <a:latin typeface="Courier New" panose="02070309020205020404" pitchFamily="49" charset="0"/>
-                <a:cs typeface="Courier New" panose="02070309020205020404" pitchFamily="49" charset="0"/>
-              </a:rPr>
-              <a:t>:… },</a:t>
-            </a:r>
-            <a:endParaRPr lang="en-US" altLang="zh-HK" sz="1200" dirty="0">
-              <a:latin typeface="Courier New" panose="02070309020205020404" pitchFamily="49" charset="0"/>
-              <a:cs typeface="Courier New" panose="02070309020205020404" pitchFamily="49" charset="0"/>
-            </a:endParaRPr>
-          </a:p>
-          <a:p>
-            <a:r>
-              <a:rPr lang="en-US" altLang="zh-HK" sz="1200" dirty="0">
-                <a:latin typeface="Courier New" panose="02070309020205020404" pitchFamily="49" charset="0"/>
-                <a:cs typeface="Courier New" panose="02070309020205020404" pitchFamily="49" charset="0"/>
-              </a:rPr>
-              <a:t> </a:t>
-            </a:r>
-            <a:r>
-              <a:rPr lang="en-US" altLang="zh-HK" sz="1200" dirty="0" smtClean="0">
-                <a:latin typeface="Courier New" panose="02070309020205020404" pitchFamily="49" charset="0"/>
-                <a:cs typeface="Courier New" panose="02070309020205020404" pitchFamily="49" charset="0"/>
-              </a:rPr>
-              <a:t>       raw2: {filename:&lt;filename</a:t>
-            </a:r>
-            <a:r>
-              <a:rPr lang="en-US" altLang="zh-HK" sz="1200" dirty="0">
-                <a:latin typeface="Courier New" panose="02070309020205020404" pitchFamily="49" charset="0"/>
-                <a:cs typeface="Courier New" panose="02070309020205020404" pitchFamily="49" charset="0"/>
-              </a:rPr>
-              <a:t>&gt;, ISO</a:t>
-            </a:r>
-            <a:r>
-              <a:rPr lang="en-US" altLang="zh-HK" sz="1200" dirty="0" smtClean="0">
-                <a:latin typeface="Courier New" panose="02070309020205020404" pitchFamily="49" charset="0"/>
-                <a:cs typeface="Courier New" panose="02070309020205020404" pitchFamily="49" charset="0"/>
-              </a:rPr>
-              <a:t>:…, </a:t>
-            </a:r>
-            <a:r>
-              <a:rPr lang="en-US" altLang="zh-HK" sz="1200" dirty="0">
-                <a:latin typeface="Courier New" panose="02070309020205020404" pitchFamily="49" charset="0"/>
-                <a:cs typeface="Courier New" panose="02070309020205020404" pitchFamily="49" charset="0"/>
-              </a:rPr>
-              <a:t>aperture</a:t>
-            </a:r>
-            <a:r>
-              <a:rPr lang="en-US" altLang="zh-HK" sz="1200" dirty="0" smtClean="0">
-                <a:latin typeface="Courier New" panose="02070309020205020404" pitchFamily="49" charset="0"/>
-                <a:cs typeface="Courier New" panose="02070309020205020404" pitchFamily="49" charset="0"/>
-              </a:rPr>
-              <a:t>:…, </a:t>
-            </a:r>
-            <a:r>
-              <a:rPr lang="en-US" altLang="zh-HK" sz="1200" dirty="0">
-                <a:latin typeface="Courier New" panose="02070309020205020404" pitchFamily="49" charset="0"/>
-                <a:cs typeface="Courier New" panose="02070309020205020404" pitchFamily="49" charset="0"/>
-              </a:rPr>
-              <a:t>shutter</a:t>
-            </a:r>
-            <a:r>
-              <a:rPr lang="en-US" altLang="zh-HK" sz="1200" dirty="0" smtClean="0">
-                <a:latin typeface="Courier New" panose="02070309020205020404" pitchFamily="49" charset="0"/>
-                <a:cs typeface="Courier New" panose="02070309020205020404" pitchFamily="49" charset="0"/>
-              </a:rPr>
-              <a:t>:…, </a:t>
-            </a:r>
-            <a:r>
-              <a:rPr lang="en-US" altLang="zh-HK" sz="1200" dirty="0">
-                <a:latin typeface="Courier New" panose="02070309020205020404" pitchFamily="49" charset="0"/>
-                <a:cs typeface="Courier New" panose="02070309020205020404" pitchFamily="49" charset="0"/>
-              </a:rPr>
-              <a:t>EV</a:t>
-            </a:r>
-            <a:r>
-              <a:rPr lang="en-US" altLang="zh-HK" sz="1200" dirty="0" smtClean="0">
-                <a:latin typeface="Courier New" panose="02070309020205020404" pitchFamily="49" charset="0"/>
-                <a:cs typeface="Courier New" panose="02070309020205020404" pitchFamily="49" charset="0"/>
-              </a:rPr>
-              <a:t>:… }</a:t>
-            </a:r>
-          </a:p>
-          <a:p>
-            <a:r>
-              <a:rPr lang="en-US" altLang="zh-HK" sz="1200" dirty="0">
-                <a:latin typeface="Courier New" panose="02070309020205020404" pitchFamily="49" charset="0"/>
-                <a:cs typeface="Courier New" panose="02070309020205020404" pitchFamily="49" charset="0"/>
-              </a:rPr>
-              <a:t> </a:t>
-            </a:r>
-            <a:r>
-              <a:rPr lang="en-US" altLang="zh-HK" sz="1200" dirty="0" smtClean="0">
-                <a:latin typeface="Courier New" panose="02070309020205020404" pitchFamily="49" charset="0"/>
-                <a:cs typeface="Courier New" panose="02070309020205020404" pitchFamily="49" charset="0"/>
-              </a:rPr>
-              <a:t>   },</a:t>
-            </a:r>
-            <a:endParaRPr lang="en-US" altLang="zh-HK" sz="1200" dirty="0">
-              <a:latin typeface="Courier New" panose="02070309020205020404" pitchFamily="49" charset="0"/>
-              <a:cs typeface="Courier New" panose="02070309020205020404" pitchFamily="49" charset="0"/>
-            </a:endParaRPr>
-          </a:p>
-          <a:p>
-            <a:r>
-              <a:rPr lang="en-US" altLang="zh-HK" sz="1200" dirty="0" smtClean="0">
-                <a:latin typeface="Courier New" panose="02070309020205020404" pitchFamily="49" charset="0"/>
-                <a:cs typeface="Courier New" panose="02070309020205020404" pitchFamily="49" charset="0"/>
-              </a:rPr>
-              <a:t>    {   </a:t>
-            </a:r>
-            <a:r>
-              <a:rPr lang="en-US" altLang="zh-HK" sz="1200" dirty="0" err="1" smtClean="0">
-                <a:latin typeface="Courier New" panose="02070309020205020404" pitchFamily="49" charset="0"/>
-                <a:cs typeface="Courier New" panose="02070309020205020404" pitchFamily="49" charset="0"/>
-              </a:rPr>
-              <a:t>login_id</a:t>
-            </a:r>
-            <a:r>
-              <a:rPr lang="en-US" altLang="zh-HK" sz="1200" dirty="0" smtClean="0">
-                <a:latin typeface="Courier New" panose="02070309020205020404" pitchFamily="49" charset="0"/>
-                <a:cs typeface="Courier New" panose="02070309020205020404" pitchFamily="49" charset="0"/>
-              </a:rPr>
-              <a:t>: “john”,</a:t>
-            </a:r>
-          </a:p>
-          <a:p>
-            <a:r>
-              <a:rPr lang="en-US" altLang="zh-HK" sz="1200" dirty="0">
-                <a:latin typeface="Courier New" panose="02070309020205020404" pitchFamily="49" charset="0"/>
-                <a:cs typeface="Courier New" panose="02070309020205020404" pitchFamily="49" charset="0"/>
-              </a:rPr>
-              <a:t> </a:t>
-            </a:r>
-            <a:r>
-              <a:rPr lang="en-US" altLang="zh-HK" sz="1200" dirty="0" smtClean="0">
-                <a:latin typeface="Courier New" panose="02070309020205020404" pitchFamily="49" charset="0"/>
-                <a:cs typeface="Courier New" panose="02070309020205020404" pitchFamily="49" charset="0"/>
-              </a:rPr>
-              <a:t>       filename</a:t>
-            </a:r>
-            <a:r>
-              <a:rPr lang="en-US" altLang="zh-HK" sz="1200" dirty="0">
-                <a:latin typeface="Courier New" panose="02070309020205020404" pitchFamily="49" charset="0"/>
-                <a:cs typeface="Courier New" panose="02070309020205020404" pitchFamily="49" charset="0"/>
-              </a:rPr>
-              <a:t>: </a:t>
-            </a:r>
-            <a:r>
-              <a:rPr lang="en-US" altLang="zh-HK" sz="1200" dirty="0" smtClean="0">
-                <a:latin typeface="Courier New" panose="02070309020205020404" pitchFamily="49" charset="0"/>
-                <a:cs typeface="Courier New" panose="02070309020205020404" pitchFamily="49" charset="0"/>
-              </a:rPr>
-              <a:t>“scene.jpg”,</a:t>
-            </a:r>
-            <a:endParaRPr lang="en-US" altLang="zh-HK" sz="1200" dirty="0">
-              <a:latin typeface="Courier New" panose="02070309020205020404" pitchFamily="49" charset="0"/>
-              <a:cs typeface="Courier New" panose="02070309020205020404" pitchFamily="49" charset="0"/>
-            </a:endParaRPr>
-          </a:p>
-          <a:p>
-            <a:r>
-              <a:rPr lang="en-US" altLang="zh-HK" sz="1200" dirty="0" smtClean="0">
-                <a:latin typeface="Courier New" panose="02070309020205020404" pitchFamily="49" charset="0"/>
-                <a:cs typeface="Courier New" panose="02070309020205020404" pitchFamily="49" charset="0"/>
-              </a:rPr>
-              <a:t>        ISO: 100,</a:t>
-            </a:r>
-          </a:p>
-          <a:p>
-            <a:r>
-              <a:rPr lang="en-US" altLang="zh-HK" sz="1200" dirty="0" smtClean="0">
-                <a:latin typeface="Courier New" panose="02070309020205020404" pitchFamily="49" charset="0"/>
-                <a:cs typeface="Courier New" panose="02070309020205020404" pitchFamily="49" charset="0"/>
-              </a:rPr>
-              <a:t>        </a:t>
-            </a:r>
-            <a:r>
-              <a:rPr lang="en-US" altLang="zh-HK" sz="1200" i="1" dirty="0" smtClean="0">
-                <a:latin typeface="Courier New" panose="02070309020205020404" pitchFamily="49" charset="0"/>
-                <a:cs typeface="Courier New" panose="02070309020205020404" pitchFamily="49" charset="0"/>
-              </a:rPr>
-              <a:t>aperture</a:t>
-            </a:r>
-            <a:r>
-              <a:rPr lang="en-US" altLang="zh-HK" sz="1200" i="1" dirty="0">
-                <a:latin typeface="Courier New" panose="02070309020205020404" pitchFamily="49" charset="0"/>
-                <a:cs typeface="Courier New" panose="02070309020205020404" pitchFamily="49" charset="0"/>
-              </a:rPr>
-              <a:t>: </a:t>
-            </a:r>
-            <a:r>
-              <a:rPr lang="en-US" altLang="zh-HK" sz="1200" i="1" dirty="0" smtClean="0">
-                <a:latin typeface="Courier New" panose="02070309020205020404" pitchFamily="49" charset="0"/>
-                <a:cs typeface="Courier New" panose="02070309020205020404" pitchFamily="49" charset="0"/>
-              </a:rPr>
-              <a:t>8,</a:t>
-            </a:r>
-            <a:endParaRPr lang="en-US" altLang="zh-HK" sz="1200" i="1" dirty="0">
-              <a:latin typeface="Courier New" panose="02070309020205020404" pitchFamily="49" charset="0"/>
-              <a:cs typeface="Courier New" panose="02070309020205020404" pitchFamily="49" charset="0"/>
-            </a:endParaRPr>
-          </a:p>
-          <a:p>
-            <a:r>
-              <a:rPr lang="en-US" altLang="zh-HK" sz="1200" i="1" dirty="0" smtClean="0">
-                <a:latin typeface="Courier New" panose="02070309020205020404" pitchFamily="49" charset="0"/>
-                <a:cs typeface="Courier New" panose="02070309020205020404" pitchFamily="49" charset="0"/>
-              </a:rPr>
-              <a:t>        shutter</a:t>
-            </a:r>
-            <a:r>
-              <a:rPr lang="en-US" altLang="zh-HK" sz="1200" i="1" dirty="0">
-                <a:latin typeface="Courier New" panose="02070309020205020404" pitchFamily="49" charset="0"/>
-                <a:cs typeface="Courier New" panose="02070309020205020404" pitchFamily="49" charset="0"/>
-              </a:rPr>
-              <a:t>: </a:t>
-            </a:r>
-            <a:r>
-              <a:rPr lang="en-US" altLang="zh-HK" sz="1200" dirty="0" smtClean="0">
-                <a:latin typeface="Courier New" panose="02070309020205020404" pitchFamily="49" charset="0"/>
-                <a:cs typeface="Courier New" panose="02070309020205020404" pitchFamily="49" charset="0"/>
-              </a:rPr>
-              <a:t>“1</a:t>
-            </a:r>
-            <a:r>
-              <a:rPr lang="en-US" altLang="zh-HK" sz="1200" i="1" dirty="0" smtClean="0">
-                <a:latin typeface="Courier New" panose="02070309020205020404" pitchFamily="49" charset="0"/>
-                <a:cs typeface="Courier New" panose="02070309020205020404" pitchFamily="49" charset="0"/>
-              </a:rPr>
-              <a:t>/200”,</a:t>
-            </a:r>
-            <a:endParaRPr lang="en-US" altLang="zh-HK" sz="1200" i="1" dirty="0">
-              <a:latin typeface="Courier New" panose="02070309020205020404" pitchFamily="49" charset="0"/>
-              <a:cs typeface="Courier New" panose="02070309020205020404" pitchFamily="49" charset="0"/>
-            </a:endParaRPr>
-          </a:p>
-          <a:p>
-            <a:r>
-              <a:rPr lang="en-US" altLang="zh-HK" sz="1200" i="1" dirty="0" smtClean="0">
-                <a:latin typeface="Courier New" panose="02070309020205020404" pitchFamily="49" charset="0"/>
-                <a:cs typeface="Courier New" panose="02070309020205020404" pitchFamily="49" charset="0"/>
-              </a:rPr>
-              <a:t>        EV</a:t>
-            </a:r>
-            <a:r>
-              <a:rPr lang="en-US" altLang="zh-HK" sz="1200" i="1" dirty="0">
-                <a:latin typeface="Courier New" panose="02070309020205020404" pitchFamily="49" charset="0"/>
-                <a:cs typeface="Courier New" panose="02070309020205020404" pitchFamily="49" charset="0"/>
-              </a:rPr>
-              <a:t>: &lt;EV</a:t>
-            </a:r>
-            <a:r>
-              <a:rPr lang="en-US" altLang="zh-HK" sz="1200" i="1" dirty="0" smtClean="0">
-                <a:latin typeface="Courier New" panose="02070309020205020404" pitchFamily="49" charset="0"/>
-                <a:cs typeface="Courier New" panose="02070309020205020404" pitchFamily="49" charset="0"/>
-              </a:rPr>
-              <a:t>+/-&gt;,</a:t>
-            </a:r>
-            <a:endParaRPr lang="en-US" altLang="zh-HK" sz="1200" dirty="0">
-              <a:latin typeface="Courier New" panose="02070309020205020404" pitchFamily="49" charset="0"/>
-              <a:cs typeface="Courier New" panose="02070309020205020404" pitchFamily="49" charset="0"/>
-            </a:endParaRPr>
-          </a:p>
-          <a:p>
-            <a:r>
-              <a:rPr lang="en-US" altLang="zh-HK" sz="1200" dirty="0" smtClean="0">
-                <a:latin typeface="Courier New" panose="02070309020205020404" pitchFamily="49" charset="0"/>
-                <a:cs typeface="Courier New" panose="02070309020205020404" pitchFamily="49" charset="0"/>
-              </a:rPr>
-              <a:t>        raw1:{filename: ”main.jpg”, ISO:100, aperture:8, shutter:”1/200”, </a:t>
-            </a:r>
-            <a:r>
-              <a:rPr lang="en-US" altLang="zh-HK" sz="1200" dirty="0">
-                <a:latin typeface="Courier New" panose="02070309020205020404" pitchFamily="49" charset="0"/>
-                <a:cs typeface="Courier New" panose="02070309020205020404" pitchFamily="49" charset="0"/>
-              </a:rPr>
-              <a:t>EV</a:t>
-            </a:r>
-            <a:r>
-              <a:rPr lang="en-US" altLang="zh-HK" sz="1200" dirty="0" smtClean="0">
-                <a:latin typeface="Courier New" panose="02070309020205020404" pitchFamily="49" charset="0"/>
-                <a:cs typeface="Courier New" panose="02070309020205020404" pitchFamily="49" charset="0"/>
-              </a:rPr>
-              <a:t>:”-2” },</a:t>
-            </a:r>
-            <a:endParaRPr lang="en-US" altLang="zh-HK" sz="1200" dirty="0">
-              <a:latin typeface="Courier New" panose="02070309020205020404" pitchFamily="49" charset="0"/>
-              <a:cs typeface="Courier New" panose="02070309020205020404" pitchFamily="49" charset="0"/>
-            </a:endParaRPr>
-          </a:p>
-          <a:p>
-            <a:r>
-              <a:rPr lang="en-US" altLang="zh-HK" sz="1200" dirty="0" smtClean="0">
-                <a:latin typeface="Courier New" panose="02070309020205020404" pitchFamily="49" charset="0"/>
-                <a:cs typeface="Courier New" panose="02070309020205020404" pitchFamily="49" charset="0"/>
-              </a:rPr>
-              <a:t>        raw2:{filename: ”overlay.jpg”, </a:t>
-            </a:r>
-            <a:r>
-              <a:rPr lang="en-US" altLang="zh-HK" sz="1200" dirty="0">
-                <a:latin typeface="Courier New" panose="02070309020205020404" pitchFamily="49" charset="0"/>
-                <a:cs typeface="Courier New" panose="02070309020205020404" pitchFamily="49" charset="0"/>
-              </a:rPr>
-              <a:t>ISO:100, aperture:8, shutter:”1/200”, EV:”-2”}</a:t>
-            </a:r>
-            <a:endParaRPr lang="en-US" altLang="zh-HK" sz="1200" dirty="0" smtClean="0">
-              <a:latin typeface="Courier New" panose="02070309020205020404" pitchFamily="49" charset="0"/>
-              <a:cs typeface="Courier New" panose="02070309020205020404" pitchFamily="49" charset="0"/>
-            </a:endParaRPr>
-          </a:p>
-          <a:p>
-            <a:r>
-              <a:rPr lang="en-US" altLang="zh-HK" sz="1200" dirty="0">
-                <a:latin typeface="Courier New" panose="02070309020205020404" pitchFamily="49" charset="0"/>
-                <a:cs typeface="Courier New" panose="02070309020205020404" pitchFamily="49" charset="0"/>
-              </a:rPr>
-              <a:t> </a:t>
-            </a:r>
-            <a:r>
-              <a:rPr lang="en-US" altLang="zh-HK" sz="1200" dirty="0" smtClean="0">
-                <a:latin typeface="Courier New" panose="02070309020205020404" pitchFamily="49" charset="0"/>
-                <a:cs typeface="Courier New" panose="02070309020205020404" pitchFamily="49" charset="0"/>
-              </a:rPr>
-              <a:t>   }</a:t>
-            </a:r>
-            <a:endParaRPr lang="en-US" altLang="zh-HK" sz="1200" dirty="0">
-              <a:latin typeface="Courier New" panose="02070309020205020404" pitchFamily="49" charset="0"/>
-              <a:cs typeface="Courier New" panose="02070309020205020404" pitchFamily="49" charset="0"/>
-            </a:endParaRPr>
-          </a:p>
-          <a:p>
-            <a:r>
-              <a:rPr lang="en-US" altLang="zh-HK" sz="1200" dirty="0" smtClean="0">
-                <a:latin typeface="Courier New" panose="02070309020205020404" pitchFamily="49" charset="0"/>
-                <a:cs typeface="Courier New" panose="02070309020205020404" pitchFamily="49" charset="0"/>
-              </a:rPr>
-              <a:t>}</a:t>
+              <a:t>}   }</a:t>
             </a:r>
             <a:endParaRPr lang="zh-HK" altLang="en-US" sz="1200" dirty="0">
               <a:latin typeface="Courier New" panose="02070309020205020404" pitchFamily="49" charset="0"/>
@@ -5956,7 +6042,7 @@
         </p:nvSpPr>
         <p:spPr>
           <a:xfrm>
-            <a:off x="251520" y="404664"/>
+            <a:off x="251520" y="116632"/>
             <a:ext cx="2376264" cy="400110"/>
           </a:xfrm>
           <a:prstGeom prst="rect">
@@ -5986,7 +6072,7 @@
         </p:nvSpPr>
         <p:spPr>
           <a:xfrm>
-            <a:off x="251520" y="980728"/>
+            <a:off x="251520" y="570166"/>
             <a:ext cx="2502032" cy="338554"/>
           </a:xfrm>
           <a:prstGeom prst="rect">

--- a/Documents/state_diagram.pptx
+++ b/Documents/state_diagram.pptx
@@ -306,7 +306,7 @@
           <a:p>
             <a:fld id="{F90355FF-FE33-42EC-9212-B2AF526B5BE9}" type="datetimeFigureOut">
               <a:rPr lang="zh-HK" altLang="en-US" smtClean="0"/>
-              <a:t>28/11/2024</a:t>
+              <a:t>3/12/2024</a:t>
             </a:fld>
             <a:endParaRPr lang="zh-HK" altLang="en-US"/>
           </a:p>
@@ -476,7 +476,7 @@
           <a:p>
             <a:fld id="{F90355FF-FE33-42EC-9212-B2AF526B5BE9}" type="datetimeFigureOut">
               <a:rPr lang="zh-HK" altLang="en-US" smtClean="0"/>
-              <a:t>28/11/2024</a:t>
+              <a:t>3/12/2024</a:t>
             </a:fld>
             <a:endParaRPr lang="zh-HK" altLang="en-US"/>
           </a:p>
@@ -656,7 +656,7 @@
           <a:p>
             <a:fld id="{F90355FF-FE33-42EC-9212-B2AF526B5BE9}" type="datetimeFigureOut">
               <a:rPr lang="zh-HK" altLang="en-US" smtClean="0"/>
-              <a:t>28/11/2024</a:t>
+              <a:t>3/12/2024</a:t>
             </a:fld>
             <a:endParaRPr lang="zh-HK" altLang="en-US"/>
           </a:p>
@@ -826,7 +826,7 @@
           <a:p>
             <a:fld id="{F90355FF-FE33-42EC-9212-B2AF526B5BE9}" type="datetimeFigureOut">
               <a:rPr lang="zh-HK" altLang="en-US" smtClean="0"/>
-              <a:t>28/11/2024</a:t>
+              <a:t>3/12/2024</a:t>
             </a:fld>
             <a:endParaRPr lang="zh-HK" altLang="en-US"/>
           </a:p>
@@ -1072,7 +1072,7 @@
           <a:p>
             <a:fld id="{F90355FF-FE33-42EC-9212-B2AF526B5BE9}" type="datetimeFigureOut">
               <a:rPr lang="zh-HK" altLang="en-US" smtClean="0"/>
-              <a:t>28/11/2024</a:t>
+              <a:t>3/12/2024</a:t>
             </a:fld>
             <a:endParaRPr lang="zh-HK" altLang="en-US"/>
           </a:p>
@@ -1360,7 +1360,7 @@
           <a:p>
             <a:fld id="{F90355FF-FE33-42EC-9212-B2AF526B5BE9}" type="datetimeFigureOut">
               <a:rPr lang="zh-HK" altLang="en-US" smtClean="0"/>
-              <a:t>28/11/2024</a:t>
+              <a:t>3/12/2024</a:t>
             </a:fld>
             <a:endParaRPr lang="zh-HK" altLang="en-US"/>
           </a:p>
@@ -1782,7 +1782,7 @@
           <a:p>
             <a:fld id="{F90355FF-FE33-42EC-9212-B2AF526B5BE9}" type="datetimeFigureOut">
               <a:rPr lang="zh-HK" altLang="en-US" smtClean="0"/>
-              <a:t>28/11/2024</a:t>
+              <a:t>3/12/2024</a:t>
             </a:fld>
             <a:endParaRPr lang="zh-HK" altLang="en-US"/>
           </a:p>
@@ -1900,7 +1900,7 @@
           <a:p>
             <a:fld id="{F90355FF-FE33-42EC-9212-B2AF526B5BE9}" type="datetimeFigureOut">
               <a:rPr lang="zh-HK" altLang="en-US" smtClean="0"/>
-              <a:t>28/11/2024</a:t>
+              <a:t>3/12/2024</a:t>
             </a:fld>
             <a:endParaRPr lang="zh-HK" altLang="en-US"/>
           </a:p>
@@ -1995,7 +1995,7 @@
           <a:p>
             <a:fld id="{F90355FF-FE33-42EC-9212-B2AF526B5BE9}" type="datetimeFigureOut">
               <a:rPr lang="zh-HK" altLang="en-US" smtClean="0"/>
-              <a:t>28/11/2024</a:t>
+              <a:t>3/12/2024</a:t>
             </a:fld>
             <a:endParaRPr lang="zh-HK" altLang="en-US"/>
           </a:p>
@@ -2272,7 +2272,7 @@
           <a:p>
             <a:fld id="{F90355FF-FE33-42EC-9212-B2AF526B5BE9}" type="datetimeFigureOut">
               <a:rPr lang="zh-HK" altLang="en-US" smtClean="0"/>
-              <a:t>28/11/2024</a:t>
+              <a:t>3/12/2024</a:t>
             </a:fld>
             <a:endParaRPr lang="zh-HK" altLang="en-US"/>
           </a:p>
@@ -2525,7 +2525,7 @@
           <a:p>
             <a:fld id="{F90355FF-FE33-42EC-9212-B2AF526B5BE9}" type="datetimeFigureOut">
               <a:rPr lang="zh-HK" altLang="en-US" smtClean="0"/>
-              <a:t>28/11/2024</a:t>
+              <a:t>3/12/2024</a:t>
             </a:fld>
             <a:endParaRPr lang="zh-HK" altLang="en-US"/>
           </a:p>
@@ -2738,7 +2738,7 @@
           <a:p>
             <a:fld id="{F90355FF-FE33-42EC-9212-B2AF526B5BE9}" type="datetimeFigureOut">
               <a:rPr lang="zh-HK" altLang="en-US" smtClean="0"/>
-              <a:t>28/11/2024</a:t>
+              <a:t>3/12/2024</a:t>
             </a:fld>
             <a:endParaRPr lang="zh-HK" altLang="en-US"/>
           </a:p>
@@ -3308,7 +3308,7 @@
         </p:nvSpPr>
         <p:spPr>
           <a:xfrm>
-            <a:off x="2627784" y="2636912"/>
+            <a:off x="2123728" y="3573016"/>
             <a:ext cx="1008112" cy="648072"/>
           </a:xfrm>
           <a:prstGeom prst="roundRect">
@@ -3363,9 +3363,9 @@
           <p:nvPr/>
         </p:nvCxnSpPr>
         <p:spPr>
-          <a:xfrm>
-            <a:off x="3131840" y="1916832"/>
-            <a:ext cx="0" cy="720080"/>
+          <a:xfrm flipH="1">
+            <a:off x="2627784" y="1916832"/>
+            <a:ext cx="504056" cy="1656184"/>
           </a:xfrm>
           <a:prstGeom prst="straightConnector1">
             <a:avLst/>
@@ -3397,7 +3397,7 @@
         </p:nvSpPr>
         <p:spPr>
           <a:xfrm>
-            <a:off x="2627784" y="4005064"/>
+            <a:off x="4139952" y="4509120"/>
             <a:ext cx="1008112" cy="648072"/>
           </a:xfrm>
           <a:prstGeom prst="roundRect">
@@ -3503,7 +3503,7 @@
         </p:nvSpPr>
         <p:spPr>
           <a:xfrm>
-            <a:off x="755576" y="4005064"/>
+            <a:off x="3583370" y="2636912"/>
             <a:ext cx="1008112" cy="648072"/>
           </a:xfrm>
           <a:prstGeom prst="roundRect">
@@ -3556,7 +3556,7 @@
         </p:nvSpPr>
         <p:spPr>
           <a:xfrm>
-            <a:off x="6228184" y="4015916"/>
+            <a:off x="4860032" y="1796527"/>
             <a:ext cx="1008112" cy="648072"/>
           </a:xfrm>
           <a:prstGeom prst="roundRect">
@@ -3609,160 +3609,6 @@
                 <a:schemeClr val="tx1"/>
               </a:solidFill>
             </a:endParaRPr>
-          </a:p>
-        </p:txBody>
-      </p:sp>
-      <p:sp>
-        <p:nvSpPr>
-          <p:cNvPr id="33" name="Diamond 32"/>
-          <p:cNvSpPr/>
-          <p:nvPr/>
-        </p:nvSpPr>
-        <p:spPr>
-          <a:xfrm>
-            <a:off x="4211960" y="3882752"/>
-            <a:ext cx="1224136" cy="914400"/>
-          </a:xfrm>
-          <a:prstGeom prst="diamond">
-            <a:avLst/>
-          </a:prstGeom>
-          <a:noFill/>
-        </p:spPr>
-        <p:style>
-          <a:lnRef idx="2">
-            <a:schemeClr val="accent1">
-              <a:shade val="50000"/>
-            </a:schemeClr>
-          </a:lnRef>
-          <a:fillRef idx="1">
-            <a:schemeClr val="accent1"/>
-          </a:fillRef>
-          <a:effectRef idx="0">
-            <a:schemeClr val="accent1"/>
-          </a:effectRef>
-          <a:fontRef idx="minor">
-            <a:schemeClr val="lt1"/>
-          </a:fontRef>
-        </p:style>
-        <p:txBody>
-          <a:bodyPr rtlCol="0" anchor="ctr"/>
-          <a:lstStyle/>
-          <a:p>
-            <a:pPr algn="ctr"/>
-            <a:r>
-              <a:rPr lang="en-US" altLang="zh-HK" sz="1200" dirty="0" smtClean="0">
-                <a:solidFill>
-                  <a:schemeClr val="tx1"/>
-                </a:solidFill>
-              </a:rPr>
-              <a:t>Select own album?</a:t>
-            </a:r>
-            <a:endParaRPr lang="zh-HK" altLang="en-US" sz="1200" dirty="0">
-              <a:solidFill>
-                <a:schemeClr val="tx1"/>
-              </a:solidFill>
-            </a:endParaRPr>
-          </a:p>
-        </p:txBody>
-      </p:sp>
-      <p:cxnSp>
-        <p:nvCxnSpPr>
-          <p:cNvPr id="35" name="Straight Arrow Connector 34"/>
-          <p:cNvCxnSpPr>
-            <a:stCxn id="17" idx="3"/>
-            <a:endCxn id="33" idx="1"/>
-          </p:cNvCxnSpPr>
-          <p:nvPr/>
-        </p:nvCxnSpPr>
-        <p:spPr>
-          <a:xfrm>
-            <a:off x="3635896" y="4329100"/>
-            <a:ext cx="576064" cy="10852"/>
-          </a:xfrm>
-          <a:prstGeom prst="straightConnector1">
-            <a:avLst/>
-          </a:prstGeom>
-          <a:ln w="12700">
-            <a:tailEnd type="arrow"/>
-          </a:ln>
-        </p:spPr>
-        <p:style>
-          <a:lnRef idx="1">
-            <a:schemeClr val="accent1"/>
-          </a:lnRef>
-          <a:fillRef idx="0">
-            <a:schemeClr val="accent1"/>
-          </a:fillRef>
-          <a:effectRef idx="0">
-            <a:schemeClr val="accent1"/>
-          </a:effectRef>
-          <a:fontRef idx="minor">
-            <a:schemeClr val="tx1"/>
-          </a:fontRef>
-        </p:style>
-      </p:cxnSp>
-      <p:cxnSp>
-        <p:nvCxnSpPr>
-          <p:cNvPr id="37" name="Straight Arrow Connector 36"/>
-          <p:cNvCxnSpPr>
-            <a:stCxn id="33" idx="3"/>
-            <a:endCxn id="28" idx="1"/>
-          </p:cNvCxnSpPr>
-          <p:nvPr/>
-        </p:nvCxnSpPr>
-        <p:spPr>
-          <a:xfrm>
-            <a:off x="5436096" y="4339952"/>
-            <a:ext cx="792088" cy="0"/>
-          </a:xfrm>
-          <a:prstGeom prst="straightConnector1">
-            <a:avLst/>
-          </a:prstGeom>
-          <a:ln w="12700">
-            <a:tailEnd type="arrow"/>
-          </a:ln>
-        </p:spPr>
-        <p:style>
-          <a:lnRef idx="1">
-            <a:schemeClr val="accent1"/>
-          </a:lnRef>
-          <a:fillRef idx="0">
-            <a:schemeClr val="accent1"/>
-          </a:fillRef>
-          <a:effectRef idx="0">
-            <a:schemeClr val="accent1"/>
-          </a:effectRef>
-          <a:fontRef idx="minor">
-            <a:schemeClr val="tx1"/>
-          </a:fontRef>
-        </p:style>
-      </p:cxnSp>
-      <p:sp>
-        <p:nvSpPr>
-          <p:cNvPr id="39" name="TextBox 38"/>
-          <p:cNvSpPr txBox="1"/>
-          <p:nvPr/>
-        </p:nvSpPr>
-        <p:spPr>
-          <a:xfrm>
-            <a:off x="5652120" y="4118883"/>
-            <a:ext cx="360996" cy="246221"/>
-          </a:xfrm>
-          <a:prstGeom prst="rect">
-            <a:avLst/>
-          </a:prstGeom>
-          <a:noFill/>
-        </p:spPr>
-        <p:txBody>
-          <a:bodyPr wrap="none" rtlCol="0">
-            <a:spAutoFit/>
-          </a:bodyPr>
-          <a:lstStyle/>
-          <a:p>
-            <a:r>
-              <a:rPr lang="en-US" altLang="zh-HK" sz="1000" dirty="0" smtClean="0"/>
-              <a:t>Yes</a:t>
-            </a:r>
           </a:p>
         </p:txBody>
       </p:sp>
@@ -4058,13 +3904,15 @@
       <p:cxnSp>
         <p:nvCxnSpPr>
           <p:cNvPr id="65" name="Straight Arrow Connector 64"/>
-          <p:cNvCxnSpPr/>
+          <p:cNvCxnSpPr>
+            <a:stCxn id="17" idx="3"/>
+          </p:cNvCxnSpPr>
           <p:nvPr/>
         </p:nvCxnSpPr>
         <p:spPr>
           <a:xfrm flipV="1">
-            <a:off x="3635896" y="3284984"/>
-            <a:ext cx="3816424" cy="730932"/>
+            <a:off x="5148064" y="3297844"/>
+            <a:ext cx="2304256" cy="1535312"/>
           </a:xfrm>
           <a:prstGeom prst="straightConnector1">
             <a:avLst/>
@@ -4098,155 +3946,14 @@
           <p:nvPr/>
         </p:nvCxnSpPr>
         <p:spPr>
-          <a:xfrm>
-            <a:off x="3635896" y="2960948"/>
-            <a:ext cx="3600400" cy="133164"/>
+          <a:xfrm flipV="1">
+            <a:off x="3131840" y="3094112"/>
+            <a:ext cx="4104456" cy="802940"/>
           </a:xfrm>
           <a:prstGeom prst="straightConnector1">
             <a:avLst/>
           </a:prstGeom>
           <a:ln w="12700">
-            <a:tailEnd type="arrow"/>
-          </a:ln>
-        </p:spPr>
-        <p:style>
-          <a:lnRef idx="1">
-            <a:schemeClr val="accent1"/>
-          </a:lnRef>
-          <a:fillRef idx="0">
-            <a:schemeClr val="accent1"/>
-          </a:fillRef>
-          <a:effectRef idx="0">
-            <a:schemeClr val="accent1"/>
-          </a:effectRef>
-          <a:fontRef idx="minor">
-            <a:schemeClr val="tx1"/>
-          </a:fontRef>
-        </p:style>
-      </p:cxnSp>
-      <p:cxnSp>
-        <p:nvCxnSpPr>
-          <p:cNvPr id="72" name="Elbow Connector 71"/>
-          <p:cNvCxnSpPr>
-            <a:stCxn id="28" idx="2"/>
-            <a:endCxn id="17" idx="2"/>
-          </p:cNvCxnSpPr>
-          <p:nvPr/>
-        </p:nvCxnSpPr>
-        <p:spPr>
-          <a:xfrm rot="5400000" flipH="1">
-            <a:off x="4926614" y="2858362"/>
-            <a:ext cx="10852" cy="3600400"/>
-          </a:xfrm>
-          <a:prstGeom prst="bentConnector3">
-            <a:avLst>
-              <a:gd name="adj1" fmla="val -3093365"/>
-            </a:avLst>
-          </a:prstGeom>
-          <a:ln w="12700">
-            <a:tailEnd type="arrow"/>
-          </a:ln>
-        </p:spPr>
-        <p:style>
-          <a:lnRef idx="1">
-            <a:schemeClr val="accent1"/>
-          </a:lnRef>
-          <a:fillRef idx="0">
-            <a:schemeClr val="accent1"/>
-          </a:fillRef>
-          <a:effectRef idx="0">
-            <a:schemeClr val="accent1"/>
-          </a:effectRef>
-          <a:fontRef idx="minor">
-            <a:schemeClr val="tx1"/>
-          </a:fontRef>
-        </p:style>
-      </p:cxnSp>
-      <p:sp>
-        <p:nvSpPr>
-          <p:cNvPr id="76" name="TextBox 75"/>
-          <p:cNvSpPr txBox="1"/>
-          <p:nvPr/>
-        </p:nvSpPr>
-        <p:spPr>
-          <a:xfrm>
-            <a:off x="4715060" y="4982979"/>
-            <a:ext cx="486030" cy="246221"/>
-          </a:xfrm>
-          <a:prstGeom prst="rect">
-            <a:avLst/>
-          </a:prstGeom>
-          <a:noFill/>
-        </p:spPr>
-        <p:txBody>
-          <a:bodyPr wrap="none" rtlCol="0">
-            <a:spAutoFit/>
-          </a:bodyPr>
-          <a:lstStyle/>
-          <a:p>
-            <a:r>
-              <a:rPr lang="en-US" altLang="zh-HK" sz="1000" dirty="0" smtClean="0"/>
-              <a:t>Finish</a:t>
-            </a:r>
-          </a:p>
-        </p:txBody>
-      </p:sp>
-      <p:cxnSp>
-        <p:nvCxnSpPr>
-          <p:cNvPr id="78" name="Straight Arrow Connector 77"/>
-          <p:cNvCxnSpPr>
-            <a:stCxn id="14" idx="1"/>
-            <a:endCxn id="23" idx="0"/>
-          </p:cNvCxnSpPr>
-          <p:nvPr/>
-        </p:nvCxnSpPr>
-        <p:spPr>
-          <a:xfrm flipH="1">
-            <a:off x="1259632" y="2960948"/>
-            <a:ext cx="1368152" cy="1044116"/>
-          </a:xfrm>
-          <a:prstGeom prst="straightConnector1">
-            <a:avLst/>
-          </a:prstGeom>
-          <a:ln w="12700">
-            <a:headEnd type="arrow"/>
-            <a:tailEnd type="arrow"/>
-          </a:ln>
-        </p:spPr>
-        <p:style>
-          <a:lnRef idx="1">
-            <a:schemeClr val="accent1"/>
-          </a:lnRef>
-          <a:fillRef idx="0">
-            <a:schemeClr val="accent1"/>
-          </a:fillRef>
-          <a:effectRef idx="0">
-            <a:schemeClr val="accent1"/>
-          </a:effectRef>
-          <a:fontRef idx="minor">
-            <a:schemeClr val="tx1"/>
-          </a:fontRef>
-        </p:style>
-      </p:cxnSp>
-      <p:cxnSp>
-        <p:nvCxnSpPr>
-          <p:cNvPr id="80" name="Straight Arrow Connector 79"/>
-          <p:cNvCxnSpPr>
-            <a:stCxn id="23" idx="3"/>
-            <a:endCxn id="17" idx="1"/>
-          </p:cNvCxnSpPr>
-          <p:nvPr/>
-        </p:nvCxnSpPr>
-        <p:spPr>
-          <a:xfrm>
-            <a:off x="1763688" y="4329100"/>
-            <a:ext cx="864096" cy="0"/>
-          </a:xfrm>
-          <a:prstGeom prst="straightConnector1">
-            <a:avLst/>
-          </a:prstGeom>
-          <a:ln w="12700">
-            <a:headEnd type="arrow"/>
             <a:tailEnd type="arrow"/>
           </a:ln>
         </p:spPr>
@@ -4270,48 +3977,14 @@
           <p:cNvPr id="8" name="Straight Arrow Connector 7"/>
           <p:cNvCxnSpPr>
             <a:stCxn id="14" idx="2"/>
-            <a:endCxn id="17" idx="0"/>
+            <a:endCxn id="17" idx="1"/>
           </p:cNvCxnSpPr>
           <p:nvPr/>
         </p:nvCxnSpPr>
         <p:spPr>
           <a:xfrm>
-            <a:off x="3131840" y="3284984"/>
-            <a:ext cx="0" cy="720080"/>
-          </a:xfrm>
-          <a:prstGeom prst="straightConnector1">
-            <a:avLst/>
-          </a:prstGeom>
-          <a:ln w="12700">
-            <a:headEnd type="arrow"/>
-            <a:tailEnd type="arrow"/>
-          </a:ln>
-        </p:spPr>
-        <p:style>
-          <a:lnRef idx="1">
-            <a:schemeClr val="accent1"/>
-          </a:lnRef>
-          <a:fillRef idx="0">
-            <a:schemeClr val="accent1"/>
-          </a:fillRef>
-          <a:effectRef idx="0">
-            <a:schemeClr val="accent1"/>
-          </a:effectRef>
-          <a:fontRef idx="minor">
-            <a:schemeClr val="tx1"/>
-          </a:fontRef>
-        </p:style>
-      </p:cxnSp>
-      <p:cxnSp>
-        <p:nvCxnSpPr>
-          <p:cNvPr id="10" name="Straight Arrow Connector 9"/>
-          <p:cNvCxnSpPr/>
-          <p:nvPr/>
-        </p:nvCxnSpPr>
-        <p:spPr>
-          <a:xfrm>
-            <a:off x="2879811" y="4653136"/>
-            <a:ext cx="0" cy="864096"/>
+            <a:off x="2627784" y="4221088"/>
+            <a:ext cx="1512168" cy="612068"/>
           </a:xfrm>
           <a:prstGeom prst="straightConnector1">
             <a:avLst/>
@@ -4441,7 +4114,8 @@
             <a:avLst/>
           </a:prstGeom>
           <a:ln w="12700">
-            <a:tailEnd type="triangle"/>
+            <a:headEnd type="none"/>
+            <a:tailEnd type="arrow"/>
           </a:ln>
         </p:spPr>
         <p:style>
@@ -4477,7 +4151,7 @@
             <a:avLst/>
           </a:prstGeom>
           <a:ln w="12700">
-            <a:tailEnd type="triangle"/>
+            <a:tailEnd type="arrow"/>
           </a:ln>
         </p:spPr>
         <p:style>
@@ -4559,6 +4233,182 @@
           </a:p>
         </p:txBody>
       </p:sp>
+      <p:cxnSp>
+        <p:nvCxnSpPr>
+          <p:cNvPr id="18" name="直線單箭頭接點 17"/>
+          <p:cNvCxnSpPr>
+            <a:stCxn id="28" idx="3"/>
+          </p:cNvCxnSpPr>
+          <p:nvPr/>
+        </p:nvCxnSpPr>
+        <p:spPr>
+          <a:xfrm>
+            <a:off x="5868144" y="2120563"/>
+            <a:ext cx="1656184" cy="720081"/>
+          </a:xfrm>
+          <a:prstGeom prst="straightConnector1">
+            <a:avLst/>
+          </a:prstGeom>
+          <a:ln>
+            <a:tailEnd type="arrow"/>
+          </a:ln>
+        </p:spPr>
+        <p:style>
+          <a:lnRef idx="1">
+            <a:schemeClr val="accent1"/>
+          </a:lnRef>
+          <a:fillRef idx="0">
+            <a:schemeClr val="accent1"/>
+          </a:fillRef>
+          <a:effectRef idx="0">
+            <a:schemeClr val="accent1"/>
+          </a:effectRef>
+          <a:fontRef idx="minor">
+            <a:schemeClr val="tx1"/>
+          </a:fontRef>
+        </p:style>
+      </p:cxnSp>
+      <p:cxnSp>
+        <p:nvCxnSpPr>
+          <p:cNvPr id="38" name="直線單箭頭接點 37"/>
+          <p:cNvCxnSpPr>
+            <a:stCxn id="17" idx="2"/>
+          </p:cNvCxnSpPr>
+          <p:nvPr/>
+        </p:nvCxnSpPr>
+        <p:spPr>
+          <a:xfrm flipH="1">
+            <a:off x="3583370" y="5157192"/>
+            <a:ext cx="1060638" cy="355544"/>
+          </a:xfrm>
+          <a:prstGeom prst="straightConnector1">
+            <a:avLst/>
+          </a:prstGeom>
+          <a:ln>
+            <a:headEnd type="arrow"/>
+            <a:tailEnd type="arrow"/>
+          </a:ln>
+        </p:spPr>
+        <p:style>
+          <a:lnRef idx="1">
+            <a:schemeClr val="accent1"/>
+          </a:lnRef>
+          <a:fillRef idx="0">
+            <a:schemeClr val="accent1"/>
+          </a:fillRef>
+          <a:effectRef idx="0">
+            <a:schemeClr val="accent1"/>
+          </a:effectRef>
+          <a:fontRef idx="minor">
+            <a:schemeClr val="tx1"/>
+          </a:fontRef>
+        </p:style>
+      </p:cxnSp>
+      <p:cxnSp>
+        <p:nvCxnSpPr>
+          <p:cNvPr id="49" name="直線單箭頭接點 48"/>
+          <p:cNvCxnSpPr>
+            <a:endCxn id="23" idx="0"/>
+          </p:cNvCxnSpPr>
+          <p:nvPr/>
+        </p:nvCxnSpPr>
+        <p:spPr>
+          <a:xfrm>
+            <a:off x="3491880" y="1916832"/>
+            <a:ext cx="595546" cy="720080"/>
+          </a:xfrm>
+          <a:prstGeom prst="straightConnector1">
+            <a:avLst/>
+          </a:prstGeom>
+          <a:ln>
+            <a:tailEnd type="arrow"/>
+          </a:ln>
+        </p:spPr>
+        <p:style>
+          <a:lnRef idx="1">
+            <a:schemeClr val="accent1"/>
+          </a:lnRef>
+          <a:fillRef idx="0">
+            <a:schemeClr val="accent1"/>
+          </a:fillRef>
+          <a:effectRef idx="0">
+            <a:schemeClr val="accent1"/>
+          </a:effectRef>
+          <a:fontRef idx="minor">
+            <a:schemeClr val="tx1"/>
+          </a:fontRef>
+        </p:style>
+      </p:cxnSp>
+      <p:cxnSp>
+        <p:nvCxnSpPr>
+          <p:cNvPr id="51" name="直線單箭頭接點 50"/>
+          <p:cNvCxnSpPr>
+            <a:stCxn id="23" idx="3"/>
+          </p:cNvCxnSpPr>
+          <p:nvPr/>
+        </p:nvCxnSpPr>
+        <p:spPr>
+          <a:xfrm>
+            <a:off x="4591482" y="2960948"/>
+            <a:ext cx="2860838" cy="0"/>
+          </a:xfrm>
+          <a:prstGeom prst="straightConnector1">
+            <a:avLst/>
+          </a:prstGeom>
+          <a:ln>
+            <a:tailEnd type="arrow"/>
+          </a:ln>
+        </p:spPr>
+        <p:style>
+          <a:lnRef idx="1">
+            <a:schemeClr val="accent1"/>
+          </a:lnRef>
+          <a:fillRef idx="0">
+            <a:schemeClr val="accent1"/>
+          </a:fillRef>
+          <a:effectRef idx="0">
+            <a:schemeClr val="accent1"/>
+          </a:effectRef>
+          <a:fontRef idx="minor">
+            <a:schemeClr val="tx1"/>
+          </a:fontRef>
+        </p:style>
+      </p:cxnSp>
+      <p:cxnSp>
+        <p:nvCxnSpPr>
+          <p:cNvPr id="53" name="直線單箭頭接點 52"/>
+          <p:cNvCxnSpPr>
+            <a:endCxn id="28" idx="1"/>
+          </p:cNvCxnSpPr>
+          <p:nvPr/>
+        </p:nvCxnSpPr>
+        <p:spPr>
+          <a:xfrm>
+            <a:off x="3635896" y="1796527"/>
+            <a:ext cx="1224136" cy="324036"/>
+          </a:xfrm>
+          <a:prstGeom prst="straightConnector1">
+            <a:avLst/>
+          </a:prstGeom>
+          <a:ln>
+            <a:tailEnd type="arrow"/>
+          </a:ln>
+        </p:spPr>
+        <p:style>
+          <a:lnRef idx="1">
+            <a:schemeClr val="accent1"/>
+          </a:lnRef>
+          <a:fillRef idx="0">
+            <a:schemeClr val="accent1"/>
+          </a:fillRef>
+          <a:effectRef idx="0">
+            <a:schemeClr val="accent1"/>
+          </a:effectRef>
+          <a:fontRef idx="minor">
+            <a:schemeClr val="tx1"/>
+          </a:fontRef>
+        </p:style>
+      </p:cxnSp>
     </p:spTree>
     <p:extLst>
       <p:ext uri="{BB962C8B-B14F-4D97-AF65-F5344CB8AC3E}">
@@ -5561,14 +5411,7 @@
                 <a:latin typeface="Courier New" panose="02070309020205020404" pitchFamily="49" charset="0"/>
                 <a:cs typeface="Courier New" panose="02070309020205020404" pitchFamily="49" charset="0"/>
               </a:rPr>
-              <a:t>        EV: &lt;EV</a:t>
-            </a:r>
-            <a:r>
-              <a:rPr lang="en-US" altLang="zh-HK" sz="1200" i="1" dirty="0" smtClean="0">
-                <a:latin typeface="Courier New" panose="02070309020205020404" pitchFamily="49" charset="0"/>
-                <a:cs typeface="Courier New" panose="02070309020205020404" pitchFamily="49" charset="0"/>
-              </a:rPr>
-              <a:t>+/-&gt;,</a:t>
+              <a:t>        EV: &lt;EV+/-&gt;,</a:t>
             </a:r>
           </a:p>
           <a:p>
@@ -5940,10 +5783,6 @@
               </a:rPr>
               <a:t>: 2,</a:t>
             </a:r>
-            <a:endParaRPr lang="en-US" altLang="zh-HK" sz="1200" i="1" dirty="0" smtClean="0">
-              <a:latin typeface="Courier New" panose="02070309020205020404" pitchFamily="49" charset="0"/>
-              <a:cs typeface="Courier New" panose="02070309020205020404" pitchFamily="49" charset="0"/>
-            </a:endParaRPr>
           </a:p>
           <a:p>
             <a:r>
